--- a/Capstone_deck.pptx
+++ b/Capstone_deck.pptx
@@ -7,36 +7,40 @@
   <p:sldIdLst>
     <p:sldId id="256" r:id="rId2"/>
     <p:sldId id="270" r:id="rId3"/>
-    <p:sldId id="257" r:id="rId4"/>
-    <p:sldId id="268" r:id="rId5"/>
-    <p:sldId id="261" r:id="rId6"/>
-    <p:sldId id="272" r:id="rId7"/>
-    <p:sldId id="278" r:id="rId8"/>
-    <p:sldId id="279" r:id="rId9"/>
-    <p:sldId id="281" r:id="rId10"/>
-    <p:sldId id="283" r:id="rId11"/>
-    <p:sldId id="300" r:id="rId12"/>
-    <p:sldId id="301" r:id="rId13"/>
-    <p:sldId id="284" r:id="rId14"/>
-    <p:sldId id="273" r:id="rId15"/>
-    <p:sldId id="277" r:id="rId16"/>
-    <p:sldId id="276" r:id="rId17"/>
-    <p:sldId id="275" r:id="rId18"/>
-    <p:sldId id="263" r:id="rId19"/>
-    <p:sldId id="294" r:id="rId20"/>
-    <p:sldId id="271" r:id="rId21"/>
-    <p:sldId id="295" r:id="rId22"/>
-    <p:sldId id="296" r:id="rId23"/>
-    <p:sldId id="298" r:id="rId24"/>
-    <p:sldId id="299" r:id="rId25"/>
-    <p:sldId id="259" r:id="rId26"/>
-    <p:sldId id="258" r:id="rId27"/>
-    <p:sldId id="260" r:id="rId28"/>
-    <p:sldId id="288" r:id="rId29"/>
-    <p:sldId id="290" r:id="rId30"/>
-    <p:sldId id="289" r:id="rId31"/>
-    <p:sldId id="293" r:id="rId32"/>
-    <p:sldId id="266" r:id="rId33"/>
+    <p:sldId id="304" r:id="rId4"/>
+    <p:sldId id="306" r:id="rId5"/>
+    <p:sldId id="305" r:id="rId6"/>
+    <p:sldId id="268" r:id="rId7"/>
+    <p:sldId id="261" r:id="rId8"/>
+    <p:sldId id="272" r:id="rId9"/>
+    <p:sldId id="278" r:id="rId10"/>
+    <p:sldId id="279" r:id="rId11"/>
+    <p:sldId id="281" r:id="rId12"/>
+    <p:sldId id="283" r:id="rId13"/>
+    <p:sldId id="300" r:id="rId14"/>
+    <p:sldId id="301" r:id="rId15"/>
+    <p:sldId id="284" r:id="rId16"/>
+    <p:sldId id="273" r:id="rId17"/>
+    <p:sldId id="277" r:id="rId18"/>
+    <p:sldId id="276" r:id="rId19"/>
+    <p:sldId id="275" r:id="rId20"/>
+    <p:sldId id="263" r:id="rId21"/>
+    <p:sldId id="294" r:id="rId22"/>
+    <p:sldId id="271" r:id="rId23"/>
+    <p:sldId id="295" r:id="rId24"/>
+    <p:sldId id="296" r:id="rId25"/>
+    <p:sldId id="298" r:id="rId26"/>
+    <p:sldId id="299" r:id="rId27"/>
+    <p:sldId id="259" r:id="rId28"/>
+    <p:sldId id="258" r:id="rId29"/>
+    <p:sldId id="260" r:id="rId30"/>
+    <p:sldId id="288" r:id="rId31"/>
+    <p:sldId id="290" r:id="rId32"/>
+    <p:sldId id="289" r:id="rId33"/>
+    <p:sldId id="293" r:id="rId34"/>
+    <p:sldId id="303" r:id="rId35"/>
+    <p:sldId id="302" r:id="rId36"/>
+    <p:sldId id="266" r:id="rId37"/>
   </p:sldIdLst>
   <p:sldSz cx="9144000" cy="6858000" type="screen4x3"/>
   <p:notesSz cx="6858000" cy="9144000"/>
@@ -326,7 +330,7 @@
           <a:p>
             <a:fld id="{55C5D4E2-7FCD-408D-AD75-9E12F9B84837}" type="datetimeFigureOut">
               <a:rPr lang="en-US" smtClean="0"/>
-              <a:t>9/15/2017</a:t>
+              <a:t>9/26/2017</a:t>
             </a:fld>
             <a:endParaRPr lang="en-US"/>
           </a:p>
@@ -526,7 +530,7 @@
           <a:p>
             <a:fld id="{55C5D4E2-7FCD-408D-AD75-9E12F9B84837}" type="datetimeFigureOut">
               <a:rPr lang="en-US" smtClean="0"/>
-              <a:t>9/15/2017</a:t>
+              <a:t>9/26/2017</a:t>
             </a:fld>
             <a:endParaRPr lang="en-US"/>
           </a:p>
@@ -701,7 +705,7 @@
           <a:p>
             <a:fld id="{55C5D4E2-7FCD-408D-AD75-9E12F9B84837}" type="datetimeFigureOut">
               <a:rPr lang="en-US" smtClean="0"/>
-              <a:t>9/15/2017</a:t>
+              <a:t>9/26/2017</a:t>
             </a:fld>
             <a:endParaRPr lang="en-US"/>
           </a:p>
@@ -866,7 +870,7 @@
           <a:p>
             <a:fld id="{55C5D4E2-7FCD-408D-AD75-9E12F9B84837}" type="datetimeFigureOut">
               <a:rPr lang="en-US" smtClean="0"/>
-              <a:t>9/15/2017</a:t>
+              <a:t>9/26/2017</a:t>
             </a:fld>
             <a:endParaRPr lang="en-US"/>
           </a:p>
@@ -1114,7 +1118,7 @@
           <a:p>
             <a:fld id="{55C5D4E2-7FCD-408D-AD75-9E12F9B84837}" type="datetimeFigureOut">
               <a:rPr lang="en-US" smtClean="0"/>
-              <a:t>9/15/2017</a:t>
+              <a:t>9/26/2017</a:t>
             </a:fld>
             <a:endParaRPr lang="en-US"/>
           </a:p>
@@ -1432,7 +1436,7 @@
           <a:p>
             <a:fld id="{55C5D4E2-7FCD-408D-AD75-9E12F9B84837}" type="datetimeFigureOut">
               <a:rPr lang="en-US" smtClean="0"/>
-              <a:t>9/15/2017</a:t>
+              <a:t>9/26/2017</a:t>
             </a:fld>
             <a:endParaRPr lang="en-US"/>
           </a:p>
@@ -1898,7 +1902,7 @@
           <a:p>
             <a:fld id="{55C5D4E2-7FCD-408D-AD75-9E12F9B84837}" type="datetimeFigureOut">
               <a:rPr lang="en-US" smtClean="0"/>
-              <a:t>9/15/2017</a:t>
+              <a:t>9/26/2017</a:t>
             </a:fld>
             <a:endParaRPr lang="en-US"/>
           </a:p>
@@ -2046,7 +2050,7 @@
           <a:p>
             <a:fld id="{55C5D4E2-7FCD-408D-AD75-9E12F9B84837}" type="datetimeFigureOut">
               <a:rPr lang="en-US" smtClean="0"/>
-              <a:t>9/15/2017</a:t>
+              <a:t>9/26/2017</a:t>
             </a:fld>
             <a:endParaRPr lang="en-US"/>
           </a:p>
@@ -2136,7 +2140,7 @@
           <a:p>
             <a:fld id="{55C5D4E2-7FCD-408D-AD75-9E12F9B84837}" type="datetimeFigureOut">
               <a:rPr lang="en-US" smtClean="0"/>
-              <a:t>9/15/2017</a:t>
+              <a:t>9/26/2017</a:t>
             </a:fld>
             <a:endParaRPr lang="en-US"/>
           </a:p>
@@ -2410,7 +2414,7 @@
           <a:p>
             <a:fld id="{55C5D4E2-7FCD-408D-AD75-9E12F9B84837}" type="datetimeFigureOut">
               <a:rPr lang="en-US" smtClean="0"/>
-              <a:t>9/15/2017</a:t>
+              <a:t>9/26/2017</a:t>
             </a:fld>
             <a:endParaRPr lang="en-US"/>
           </a:p>
@@ -2715,7 +2719,7 @@
           <a:p>
             <a:fld id="{55C5D4E2-7FCD-408D-AD75-9E12F9B84837}" type="datetimeFigureOut">
               <a:rPr lang="en-US" smtClean="0"/>
-              <a:t>9/15/2017</a:t>
+              <a:t>9/26/2017</a:t>
             </a:fld>
             <a:endParaRPr lang="en-US"/>
           </a:p>
@@ -3013,7 +3017,7 @@
           <a:p>
             <a:fld id="{55C5D4E2-7FCD-408D-AD75-9E12F9B84837}" type="datetimeFigureOut">
               <a:rPr lang="en-US" smtClean="0"/>
-              <a:t>9/15/2017</a:t>
+              <a:t>9/26/2017</a:t>
             </a:fld>
             <a:endParaRPr lang="en-US"/>
           </a:p>
@@ -3560,6 +3564,491 @@
           <a:lstStyle/>
           <a:p>
             <a:r>
+              <a:rPr lang="en-US" dirty="0" smtClean="0"/>
+              <a:t>Total counts for current and gross income accounts</a:t>
+            </a:r>
+            <a:endParaRPr lang="en-US" dirty="0"/>
+          </a:p>
+        </p:txBody>
+      </p:sp>
+      <p:grpSp>
+        <p:nvGrpSpPr>
+          <p:cNvPr id="3" name="Group 2"/>
+          <p:cNvGrpSpPr/>
+          <p:nvPr/>
+        </p:nvGrpSpPr>
+        <p:grpSpPr>
+          <a:xfrm>
+            <a:off x="0" y="1523999"/>
+            <a:ext cx="9067800" cy="5334001"/>
+            <a:chOff x="0" y="1523999"/>
+            <a:chExt cx="9067800" cy="5334001"/>
+          </a:xfrm>
+        </p:grpSpPr>
+        <p:pic>
+          <p:nvPicPr>
+            <p:cNvPr id="8194" name="Picture 2" descr="C:\Users\weichun\Documents\san\Total_counts_current_account.png"/>
+            <p:cNvPicPr>
+              <a:picLocks noChangeAspect="1" noChangeArrowheads="1"/>
+            </p:cNvPicPr>
+            <p:nvPr/>
+          </p:nvPicPr>
+          <p:blipFill>
+            <a:blip r:embed="rId2">
+              <a:extLst>
+                <a:ext uri="{28A0092B-C50C-407E-A947-70E740481C1C}">
+                  <a14:useLocalDpi xmlns:a14="http://schemas.microsoft.com/office/drawing/2010/main" val="0"/>
+                </a:ext>
+              </a:extLst>
+            </a:blip>
+            <a:srcRect/>
+            <a:stretch>
+              <a:fillRect/>
+            </a:stretch>
+          </p:blipFill>
+          <p:spPr bwMode="auto">
+            <a:xfrm>
+              <a:off x="0" y="1523999"/>
+              <a:ext cx="4572000" cy="5334001"/>
+            </a:xfrm>
+            <a:prstGeom prst="rect">
+              <a:avLst/>
+            </a:prstGeom>
+            <a:noFill/>
+            <a:extLst>
+              <a:ext uri="{909E8E84-426E-40DD-AFC4-6F175D3DCCD1}">
+                <a14:hiddenFill xmlns:a14="http://schemas.microsoft.com/office/drawing/2010/main">
+                  <a:solidFill>
+                    <a:srgbClr val="FFFFFF"/>
+                  </a:solidFill>
+                </a14:hiddenFill>
+              </a:ext>
+            </a:extLst>
+          </p:spPr>
+        </p:pic>
+        <p:pic>
+          <p:nvPicPr>
+            <p:cNvPr id="8196" name="Picture 4"/>
+            <p:cNvPicPr>
+              <a:picLocks noChangeAspect="1" noChangeArrowheads="1"/>
+            </p:cNvPicPr>
+            <p:nvPr/>
+          </p:nvPicPr>
+          <p:blipFill>
+            <a:blip r:embed="rId3">
+              <a:extLst>
+                <a:ext uri="{28A0092B-C50C-407E-A947-70E740481C1C}">
+                  <a14:useLocalDpi xmlns:a14="http://schemas.microsoft.com/office/drawing/2010/main" val="0"/>
+                </a:ext>
+              </a:extLst>
+            </a:blip>
+            <a:srcRect/>
+            <a:stretch>
+              <a:fillRect/>
+            </a:stretch>
+          </p:blipFill>
+          <p:spPr bwMode="auto">
+            <a:xfrm>
+              <a:off x="4495800" y="1524000"/>
+              <a:ext cx="4572000" cy="5334000"/>
+            </a:xfrm>
+            <a:prstGeom prst="rect">
+              <a:avLst/>
+            </a:prstGeom>
+            <a:noFill/>
+            <a:ln>
+              <a:noFill/>
+            </a:ln>
+            <a:effectLst/>
+            <a:extLst>
+              <a:ext uri="{909E8E84-426E-40DD-AFC4-6F175D3DCCD1}">
+                <a14:hiddenFill xmlns:a14="http://schemas.microsoft.com/office/drawing/2010/main">
+                  <a:solidFill>
+                    <a:schemeClr val="accent1"/>
+                  </a:solidFill>
+                </a14:hiddenFill>
+              </a:ext>
+              <a:ext uri="{91240B29-F687-4F45-9708-019B960494DF}">
+                <a14:hiddenLine xmlns:a14="http://schemas.microsoft.com/office/drawing/2010/main" w="9525">
+                  <a:solidFill>
+                    <a:schemeClr val="tx1"/>
+                  </a:solidFill>
+                  <a:miter lim="800000"/>
+                  <a:headEnd/>
+                  <a:tailEnd/>
+                </a14:hiddenLine>
+              </a:ext>
+              <a:ext uri="{AF507438-7753-43E0-B8FC-AC1667EBCBE1}">
+                <a14:hiddenEffects xmlns:a14="http://schemas.microsoft.com/office/drawing/2010/main">
+                  <a:effectLst>
+                    <a:outerShdw dist="35921" dir="2700000" algn="ctr" rotWithShape="0">
+                      <a:schemeClr val="bg2"/>
+                    </a:outerShdw>
+                  </a:effectLst>
+                </a14:hiddenEffects>
+              </a:ext>
+            </a:extLst>
+          </p:spPr>
+        </p:pic>
+      </p:grpSp>
+      <p:cxnSp>
+        <p:nvCxnSpPr>
+          <p:cNvPr id="7" name="Straight Arrow Connector 6"/>
+          <p:cNvCxnSpPr/>
+          <p:nvPr/>
+        </p:nvCxnSpPr>
+        <p:spPr>
+          <a:xfrm>
+            <a:off x="5486400" y="1697736"/>
+            <a:ext cx="925068" cy="838199"/>
+          </a:xfrm>
+          <a:prstGeom prst="straightConnector1">
+            <a:avLst/>
+          </a:prstGeom>
+          <a:ln w="57150">
+            <a:tailEnd type="arrow"/>
+          </a:ln>
+        </p:spPr>
+        <p:style>
+          <a:lnRef idx="1">
+            <a:schemeClr val="accent1"/>
+          </a:lnRef>
+          <a:fillRef idx="0">
+            <a:schemeClr val="accent1"/>
+          </a:fillRef>
+          <a:effectRef idx="0">
+            <a:schemeClr val="accent1"/>
+          </a:effectRef>
+          <a:fontRef idx="minor">
+            <a:schemeClr val="tx1"/>
+          </a:fontRef>
+        </p:style>
+      </p:cxnSp>
+      <p:sp>
+        <p:nvSpPr>
+          <p:cNvPr id="6" name="TextBox 5"/>
+          <p:cNvSpPr txBox="1"/>
+          <p:nvPr/>
+        </p:nvSpPr>
+        <p:spPr>
+          <a:xfrm>
+            <a:off x="5105400" y="1062335"/>
+            <a:ext cx="3581400" cy="646331"/>
+          </a:xfrm>
+          <a:prstGeom prst="rect">
+            <a:avLst/>
+          </a:prstGeom>
+          <a:noFill/>
+        </p:spPr>
+        <p:txBody>
+          <a:bodyPr wrap="square" rtlCol="0">
+            <a:spAutoFit/>
+          </a:bodyPr>
+          <a:lstStyle/>
+          <a:p>
+            <a:r>
+              <a:rPr lang="en-US" dirty="0" smtClean="0"/>
+              <a:t>Jump on number of gross income accounts after June 2015</a:t>
+            </a:r>
+            <a:endParaRPr lang="en-US" dirty="0"/>
+          </a:p>
+        </p:txBody>
+      </p:sp>
+    </p:spTree>
+    <p:extLst>
+      <p:ext uri="{BB962C8B-B14F-4D97-AF65-F5344CB8AC3E}">
+        <p14:creationId xmlns:p14="http://schemas.microsoft.com/office/powerpoint/2010/main" val="605888846"/>
+      </p:ext>
+    </p:extLst>
+  </p:cSld>
+  <p:clrMapOvr>
+    <a:masterClrMapping/>
+  </p:clrMapOvr>
+  <p:timing>
+    <p:tnLst>
+      <p:par>
+        <p:cTn id="1" dur="indefinite" restart="never" nodeType="tmRoot"/>
+      </p:par>
+    </p:tnLst>
+  </p:timing>
+</p:sld>
+</file>
+
+<file path=ppt/slides/slide11.xml><?xml version="1.0" encoding="utf-8"?>
+<p:sld xmlns:a="http://schemas.openxmlformats.org/drawingml/2006/main" xmlns:r="http://schemas.openxmlformats.org/officeDocument/2006/relationships" xmlns:p="http://schemas.openxmlformats.org/presentationml/2006/main">
+  <p:cSld>
+    <p:spTree>
+      <p:nvGrpSpPr>
+        <p:cNvPr id="1" name=""/>
+        <p:cNvGrpSpPr/>
+        <p:nvPr/>
+      </p:nvGrpSpPr>
+      <p:grpSpPr>
+        <a:xfrm>
+          <a:off x="0" y="0"/>
+          <a:ext cx="0" cy="0"/>
+          <a:chOff x="0" y="0"/>
+          <a:chExt cx="0" cy="0"/>
+        </a:xfrm>
+      </p:grpSpPr>
+      <p:sp>
+        <p:nvSpPr>
+          <p:cNvPr id="2" name="Title 1"/>
+          <p:cNvSpPr>
+            <a:spLocks noGrp="1"/>
+          </p:cNvSpPr>
+          <p:nvPr>
+            <p:ph type="title"/>
+          </p:nvPr>
+        </p:nvSpPr>
+        <p:spPr/>
+        <p:txBody>
+          <a:bodyPr>
+            <a:normAutofit fontScale="90000"/>
+          </a:bodyPr>
+          <a:lstStyle/>
+          <a:p>
+            <a:r>
+              <a:rPr lang="en-US" dirty="0"/>
+              <a:t>Total counts for </a:t>
+            </a:r>
+            <a:r>
+              <a:rPr lang="en-US" dirty="0" smtClean="0"/>
+              <a:t>short-term </a:t>
+            </a:r>
+            <a:r>
+              <a:rPr lang="en-US" dirty="0"/>
+              <a:t>and </a:t>
+            </a:r>
+            <a:r>
+              <a:rPr lang="en-US" dirty="0" smtClean="0"/>
+              <a:t>medium-term deposits </a:t>
+            </a:r>
+            <a:r>
+              <a:rPr lang="en-US" dirty="0"/>
+              <a:t>accounts</a:t>
+            </a:r>
+          </a:p>
+        </p:txBody>
+      </p:sp>
+      <p:grpSp>
+        <p:nvGrpSpPr>
+          <p:cNvPr id="3" name="Group 2"/>
+          <p:cNvGrpSpPr/>
+          <p:nvPr/>
+        </p:nvGrpSpPr>
+        <p:grpSpPr>
+          <a:xfrm>
+            <a:off x="76200" y="1523999"/>
+            <a:ext cx="9067800" cy="5334001"/>
+            <a:chOff x="76200" y="1523999"/>
+            <a:chExt cx="9067800" cy="5334001"/>
+          </a:xfrm>
+        </p:grpSpPr>
+        <p:pic>
+          <p:nvPicPr>
+            <p:cNvPr id="10242" name="Picture 2" descr="C:\Users\weichun\Documents\san\Total_counts_short-term_deposits.png"/>
+            <p:cNvPicPr>
+              <a:picLocks noChangeAspect="1" noChangeArrowheads="1"/>
+            </p:cNvPicPr>
+            <p:nvPr/>
+          </p:nvPicPr>
+          <p:blipFill>
+            <a:blip r:embed="rId2">
+              <a:extLst>
+                <a:ext uri="{28A0092B-C50C-407E-A947-70E740481C1C}">
+                  <a14:useLocalDpi xmlns:a14="http://schemas.microsoft.com/office/drawing/2010/main" val="0"/>
+                </a:ext>
+              </a:extLst>
+            </a:blip>
+            <a:srcRect/>
+            <a:stretch>
+              <a:fillRect/>
+            </a:stretch>
+          </p:blipFill>
+          <p:spPr bwMode="auto">
+            <a:xfrm>
+              <a:off x="76200" y="1524001"/>
+              <a:ext cx="4572000" cy="5333999"/>
+            </a:xfrm>
+            <a:prstGeom prst="rect">
+              <a:avLst/>
+            </a:prstGeom>
+            <a:noFill/>
+            <a:extLst>
+              <a:ext uri="{909E8E84-426E-40DD-AFC4-6F175D3DCCD1}">
+                <a14:hiddenFill xmlns:a14="http://schemas.microsoft.com/office/drawing/2010/main">
+                  <a:solidFill>
+                    <a:srgbClr val="FFFFFF"/>
+                  </a:solidFill>
+                </a14:hiddenFill>
+              </a:ext>
+            </a:extLst>
+          </p:spPr>
+        </p:pic>
+        <p:pic>
+          <p:nvPicPr>
+            <p:cNvPr id="4" name="Picture 2" descr="C:\Users\weichun\Documents\san\Total_counts_medium-term_deposits.png"/>
+            <p:cNvPicPr>
+              <a:picLocks noChangeAspect="1" noChangeArrowheads="1"/>
+            </p:cNvPicPr>
+            <p:nvPr/>
+          </p:nvPicPr>
+          <p:blipFill>
+            <a:blip r:embed="rId3">
+              <a:extLst>
+                <a:ext uri="{28A0092B-C50C-407E-A947-70E740481C1C}">
+                  <a14:useLocalDpi xmlns:a14="http://schemas.microsoft.com/office/drawing/2010/main" val="0"/>
+                </a:ext>
+              </a:extLst>
+            </a:blip>
+            <a:srcRect/>
+            <a:stretch>
+              <a:fillRect/>
+            </a:stretch>
+          </p:blipFill>
+          <p:spPr bwMode="auto">
+            <a:xfrm>
+              <a:off x="4572000" y="1523999"/>
+              <a:ext cx="4572000" cy="5334001"/>
+            </a:xfrm>
+            <a:prstGeom prst="rect">
+              <a:avLst/>
+            </a:prstGeom>
+            <a:noFill/>
+            <a:extLst>
+              <a:ext uri="{909E8E84-426E-40DD-AFC4-6F175D3DCCD1}">
+                <a14:hiddenFill xmlns:a14="http://schemas.microsoft.com/office/drawing/2010/main">
+                  <a:solidFill>
+                    <a:srgbClr val="FFFFFF"/>
+                  </a:solidFill>
+                </a14:hiddenFill>
+              </a:ext>
+            </a:extLst>
+          </p:spPr>
+        </p:pic>
+      </p:grpSp>
+      <p:cxnSp>
+        <p:nvCxnSpPr>
+          <p:cNvPr id="6" name="Straight Arrow Connector 5"/>
+          <p:cNvCxnSpPr/>
+          <p:nvPr/>
+        </p:nvCxnSpPr>
+        <p:spPr>
+          <a:xfrm>
+            <a:off x="5638800" y="2286000"/>
+            <a:ext cx="2971800" cy="1066800"/>
+          </a:xfrm>
+          <a:prstGeom prst="straightConnector1">
+            <a:avLst/>
+          </a:prstGeom>
+          <a:ln w="57150">
+            <a:tailEnd type="arrow"/>
+          </a:ln>
+        </p:spPr>
+        <p:style>
+          <a:lnRef idx="1">
+            <a:schemeClr val="accent1"/>
+          </a:lnRef>
+          <a:fillRef idx="0">
+            <a:schemeClr val="accent1"/>
+          </a:fillRef>
+          <a:effectRef idx="0">
+            <a:schemeClr val="accent1"/>
+          </a:effectRef>
+          <a:fontRef idx="minor">
+            <a:schemeClr val="tx1"/>
+          </a:fontRef>
+        </p:style>
+      </p:cxnSp>
+      <p:cxnSp>
+        <p:nvCxnSpPr>
+          <p:cNvPr id="9" name="Straight Arrow Connector 8"/>
+          <p:cNvCxnSpPr/>
+          <p:nvPr/>
+        </p:nvCxnSpPr>
+        <p:spPr>
+          <a:xfrm>
+            <a:off x="1578864" y="2819400"/>
+            <a:ext cx="2383536" cy="2590800"/>
+          </a:xfrm>
+          <a:prstGeom prst="straightConnector1">
+            <a:avLst/>
+          </a:prstGeom>
+          <a:ln w="57150">
+            <a:tailEnd type="arrow"/>
+          </a:ln>
+        </p:spPr>
+        <p:style>
+          <a:lnRef idx="1">
+            <a:schemeClr val="accent1"/>
+          </a:lnRef>
+          <a:fillRef idx="0">
+            <a:schemeClr val="accent1"/>
+          </a:fillRef>
+          <a:effectRef idx="0">
+            <a:schemeClr val="accent1"/>
+          </a:effectRef>
+          <a:fontRef idx="minor">
+            <a:schemeClr val="tx1"/>
+          </a:fontRef>
+        </p:style>
+      </p:cxnSp>
+    </p:spTree>
+    <p:extLst>
+      <p:ext uri="{BB962C8B-B14F-4D97-AF65-F5344CB8AC3E}">
+        <p14:creationId xmlns:p14="http://schemas.microsoft.com/office/powerpoint/2010/main" val="2149472832"/>
+      </p:ext>
+    </p:extLst>
+  </p:cSld>
+  <p:clrMapOvr>
+    <a:masterClrMapping/>
+  </p:clrMapOvr>
+  <p:timing>
+    <p:tnLst>
+      <p:par>
+        <p:cTn id="1" dur="indefinite" restart="never" nodeType="tmRoot"/>
+      </p:par>
+    </p:tnLst>
+  </p:timing>
+</p:sld>
+</file>
+
+<file path=ppt/slides/slide12.xml><?xml version="1.0" encoding="utf-8"?>
+<p:sld xmlns:a="http://schemas.openxmlformats.org/drawingml/2006/main" xmlns:r="http://schemas.openxmlformats.org/officeDocument/2006/relationships" xmlns:p="http://schemas.openxmlformats.org/presentationml/2006/main">
+  <p:cSld>
+    <p:spTree>
+      <p:nvGrpSpPr>
+        <p:cNvPr id="1" name=""/>
+        <p:cNvGrpSpPr/>
+        <p:nvPr/>
+      </p:nvGrpSpPr>
+      <p:grpSpPr>
+        <a:xfrm>
+          <a:off x="0" y="0"/>
+          <a:ext cx="0" cy="0"/>
+          <a:chOff x="0" y="0"/>
+          <a:chExt cx="0" cy="0"/>
+        </a:xfrm>
+      </p:grpSpPr>
+      <p:sp>
+        <p:nvSpPr>
+          <p:cNvPr id="2" name="Title 1"/>
+          <p:cNvSpPr>
+            <a:spLocks noGrp="1"/>
+          </p:cNvSpPr>
+          <p:nvPr>
+            <p:ph type="title"/>
+          </p:nvPr>
+        </p:nvSpPr>
+        <p:spPr/>
+        <p:txBody>
+          <a:bodyPr>
+            <a:normAutofit fontScale="90000"/>
+          </a:bodyPr>
+          <a:lstStyle/>
+          <a:p>
+            <a:r>
               <a:rPr lang="en-US" dirty="0"/>
               <a:t>Total counts for </a:t>
             </a:r>
@@ -3714,7 +4203,7 @@
 </p:sld>
 </file>
 
-<file path=ppt/slides/slide11.xml><?xml version="1.0" encoding="utf-8"?>
+<file path=ppt/slides/slide13.xml><?xml version="1.0" encoding="utf-8"?>
 <p:sld xmlns:a="http://schemas.openxmlformats.org/drawingml/2006/main" xmlns:r="http://schemas.openxmlformats.org/officeDocument/2006/relationships" xmlns:p="http://schemas.openxmlformats.org/presentationml/2006/main">
   <p:cSld>
     <p:spTree>
@@ -3871,7 +4360,7 @@
 </p:sld>
 </file>
 
-<file path=ppt/slides/slide12.xml><?xml version="1.0" encoding="utf-8"?>
+<file path=ppt/slides/slide14.xml><?xml version="1.0" encoding="utf-8"?>
 <p:sld xmlns:a="http://schemas.openxmlformats.org/drawingml/2006/main" xmlns:r="http://schemas.openxmlformats.org/officeDocument/2006/relationships" xmlns:p="http://schemas.openxmlformats.org/presentationml/2006/main">
   <p:cSld>
     <p:spTree>
@@ -3998,7 +4487,7 @@
 </p:sld>
 </file>
 
-<file path=ppt/slides/slide13.xml><?xml version="1.0" encoding="utf-8"?>
+<file path=ppt/slides/slide15.xml><?xml version="1.0" encoding="utf-8"?>
 <p:sld xmlns:a="http://schemas.openxmlformats.org/drawingml/2006/main" xmlns:r="http://schemas.openxmlformats.org/officeDocument/2006/relationships" xmlns:p="http://schemas.openxmlformats.org/presentationml/2006/main">
   <p:cSld>
     <p:spTree>
@@ -4123,7 +4612,7 @@
 </p:sld>
 </file>
 
-<file path=ppt/slides/slide14.xml><?xml version="1.0" encoding="utf-8"?>
+<file path=ppt/slides/slide16.xml><?xml version="1.0" encoding="utf-8"?>
 <p:sld xmlns:a="http://schemas.openxmlformats.org/drawingml/2006/main" xmlns:r="http://schemas.openxmlformats.org/officeDocument/2006/relationships" xmlns:p="http://schemas.openxmlformats.org/presentationml/2006/main">
   <p:cSld>
     <p:spTree>
@@ -4161,7 +4650,6 @@
               <a:rPr lang="en-US" dirty="0"/>
               <a:t>Find new accounts</a:t>
             </a:r>
-            <a:endParaRPr lang="en-US" dirty="0"/>
           </a:p>
         </p:txBody>
       </p:sp>
@@ -4240,6 +4728,70 @@
           </a:p>
         </p:txBody>
       </p:sp>
+      <p:pic>
+        <p:nvPicPr>
+          <p:cNvPr id="2050" name="Picture 2"/>
+          <p:cNvPicPr>
+            <a:picLocks noChangeAspect="1" noChangeArrowheads="1"/>
+          </p:cNvPicPr>
+          <p:nvPr/>
+        </p:nvPicPr>
+        <p:blipFill>
+          <a:blip r:embed="rId2">
+            <a:extLst>
+              <a:ext uri="{28A0092B-C50C-407E-A947-70E740481C1C}">
+                <a14:useLocalDpi xmlns:a14="http://schemas.microsoft.com/office/drawing/2010/main" val="0"/>
+              </a:ext>
+            </a:extLst>
+          </a:blip>
+          <a:srcRect/>
+          <a:stretch>
+            <a:fillRect/>
+          </a:stretch>
+        </p:blipFill>
+        <p:spPr bwMode="auto">
+          <a:xfrm>
+            <a:off x="6792913" y="5715000"/>
+            <a:ext cx="2122487" cy="1060687"/>
+          </a:xfrm>
+          <a:prstGeom prst="rect">
+            <a:avLst/>
+          </a:prstGeom>
+          <a:noFill/>
+          <a:ln>
+            <a:noFill/>
+          </a:ln>
+          <a:effectLst/>
+          <a:extLst>
+            <a:ext uri="{909E8E84-426E-40DD-AFC4-6F175D3DCCD1}">
+              <a14:hiddenFill xmlns:a14="http://schemas.microsoft.com/office/drawing/2010/main">
+                <a:solidFill>
+                  <a:schemeClr val="accent1"/>
+                </a:solidFill>
+              </a14:hiddenFill>
+            </a:ext>
+            <a:ext uri="{91240B29-F687-4F45-9708-019B960494DF}">
+              <a14:hiddenLine xmlns:a14="http://schemas.microsoft.com/office/drawing/2010/main" w="9525">
+                <a:solidFill>
+                  <a:schemeClr val="tx1"/>
+                </a:solidFill>
+                <a:miter lim="800000"/>
+                <a:headEnd/>
+                <a:tailEnd/>
+              </a14:hiddenLine>
+            </a:ext>
+            <a:ext uri="{AF507438-7753-43E0-B8FC-AC1667EBCBE1}">
+              <a14:hiddenEffects xmlns:a14="http://schemas.microsoft.com/office/drawing/2010/main">
+                <a:effectLst>
+                  <a:outerShdw dist="35921" dir="2700000" algn="ctr" rotWithShape="0">
+                    <a:schemeClr val="bg2"/>
+                  </a:outerShdw>
+                </a:effectLst>
+              </a14:hiddenEffects>
+            </a:ext>
+          </a:extLst>
+        </p:spPr>
+      </p:pic>
     </p:spTree>
     <p:extLst>
       <p:ext uri="{BB962C8B-B14F-4D97-AF65-F5344CB8AC3E}">
@@ -4260,7 +4812,7 @@
 </p:sld>
 </file>
 
-<file path=ppt/slides/slide15.xml><?xml version="1.0" encoding="utf-8"?>
+<file path=ppt/slides/slide17.xml><?xml version="1.0" encoding="utf-8"?>
 <p:sld xmlns:a="http://schemas.openxmlformats.org/drawingml/2006/main" xmlns:r="http://schemas.openxmlformats.org/officeDocument/2006/relationships" xmlns:p="http://schemas.openxmlformats.org/presentationml/2006/main">
   <p:cSld>
     <p:spTree>
@@ -4390,7 +4942,7 @@
 </p:sld>
 </file>
 
-<file path=ppt/slides/slide16.xml><?xml version="1.0" encoding="utf-8"?>
+<file path=ppt/slides/slide18.xml><?xml version="1.0" encoding="utf-8"?>
 <p:sld xmlns:a="http://schemas.openxmlformats.org/drawingml/2006/main" xmlns:r="http://schemas.openxmlformats.org/officeDocument/2006/relationships" xmlns:p="http://schemas.openxmlformats.org/presentationml/2006/main">
   <p:cSld>
     <p:spTree>
@@ -4549,7 +5101,7 @@
 </p:sld>
 </file>
 
-<file path=ppt/slides/slide17.xml><?xml version="1.0" encoding="utf-8"?>
+<file path=ppt/slides/slide19.xml><?xml version="1.0" encoding="utf-8"?>
 <p:sld xmlns:a="http://schemas.openxmlformats.org/drawingml/2006/main" xmlns:r="http://schemas.openxmlformats.org/officeDocument/2006/relationships" xmlns:p="http://schemas.openxmlformats.org/presentationml/2006/main">
   <p:cSld>
     <p:spTree>
@@ -4847,294 +5399,6 @@
 </p:sld>
 </file>
 
-<file path=ppt/slides/slide18.xml><?xml version="1.0" encoding="utf-8"?>
-<p:sld xmlns:a="http://schemas.openxmlformats.org/drawingml/2006/main" xmlns:r="http://schemas.openxmlformats.org/officeDocument/2006/relationships" xmlns:p="http://schemas.openxmlformats.org/presentationml/2006/main">
-  <p:cSld>
-    <p:spTree>
-      <p:nvGrpSpPr>
-        <p:cNvPr id="1" name=""/>
-        <p:cNvGrpSpPr/>
-        <p:nvPr/>
-      </p:nvGrpSpPr>
-      <p:grpSpPr>
-        <a:xfrm>
-          <a:off x="0" y="0"/>
-          <a:ext cx="0" cy="0"/>
-          <a:chOff x="0" y="0"/>
-          <a:chExt cx="0" cy="0"/>
-        </a:xfrm>
-      </p:grpSpPr>
-      <p:sp>
-        <p:nvSpPr>
-          <p:cNvPr id="2" name="Title 1"/>
-          <p:cNvSpPr>
-            <a:spLocks noGrp="1"/>
-          </p:cNvSpPr>
-          <p:nvPr>
-            <p:ph type="title"/>
-          </p:nvPr>
-        </p:nvSpPr>
-        <p:spPr/>
-        <p:txBody>
-          <a:bodyPr>
-            <a:normAutofit/>
-          </a:bodyPr>
-          <a:lstStyle/>
-          <a:p>
-            <a:r>
-              <a:rPr lang="en-US" dirty="0" smtClean="0"/>
-              <a:t>Summary for new accounts analyses</a:t>
-            </a:r>
-            <a:endParaRPr lang="en-US" dirty="0"/>
-          </a:p>
-        </p:txBody>
-      </p:sp>
-      <p:sp>
-        <p:nvSpPr>
-          <p:cNvPr id="4" name="Content Placeholder 3"/>
-          <p:cNvSpPr>
-            <a:spLocks noGrp="1"/>
-          </p:cNvSpPr>
-          <p:nvPr>
-            <p:ph sz="half" idx="1"/>
-          </p:nvPr>
-        </p:nvSpPr>
-        <p:spPr>
-          <a:xfrm>
-            <a:off x="457200" y="1600200"/>
-            <a:ext cx="8001000" cy="4525963"/>
-          </a:xfrm>
-        </p:spPr>
-        <p:txBody>
-          <a:bodyPr>
-            <a:normAutofit/>
-          </a:bodyPr>
-          <a:lstStyle/>
-          <a:p>
-            <a:r>
-              <a:rPr lang="en-US" dirty="0"/>
-              <a:t>There is a remarkable peak at 2015-06-28 for the taxes account. </a:t>
-            </a:r>
-            <a:endParaRPr lang="en-US" dirty="0" smtClean="0"/>
-          </a:p>
-          <a:p>
-            <a:r>
-              <a:rPr lang="en-US" dirty="0" smtClean="0"/>
-              <a:t>For </a:t>
-            </a:r>
-            <a:r>
-              <a:rPr lang="en-US" dirty="0"/>
-              <a:t>the current account, we saw two peaks at 2015-06-28 and 2015-12-28. </a:t>
-            </a:r>
-            <a:endParaRPr lang="en-US" dirty="0" smtClean="0"/>
-          </a:p>
-          <a:p>
-            <a:r>
-              <a:rPr lang="en-US" dirty="0" smtClean="0"/>
-              <a:t>There </a:t>
-            </a:r>
-            <a:r>
-              <a:rPr lang="en-US" dirty="0"/>
-              <a:t>is a increasing trend of new accounts for e-account and a decreasing trend for short-term deposits (no more new accounts in the year 2016).</a:t>
-            </a:r>
-          </a:p>
-          <a:p>
-            <a:endParaRPr lang="en-US" dirty="0"/>
-          </a:p>
-        </p:txBody>
-      </p:sp>
-    </p:spTree>
-    <p:extLst>
-      <p:ext uri="{BB962C8B-B14F-4D97-AF65-F5344CB8AC3E}">
-        <p14:creationId xmlns:p14="http://schemas.microsoft.com/office/powerpoint/2010/main" val="1864190606"/>
-      </p:ext>
-    </p:extLst>
-  </p:cSld>
-  <p:clrMapOvr>
-    <a:masterClrMapping/>
-  </p:clrMapOvr>
-  <p:timing>
-    <p:tnLst>
-      <p:par>
-        <p:cTn id="1" dur="indefinite" restart="never" nodeType="tmRoot"/>
-      </p:par>
-    </p:tnLst>
-  </p:timing>
-</p:sld>
-</file>
-
-<file path=ppt/slides/slide19.xml><?xml version="1.0" encoding="utf-8"?>
-<p:sld xmlns:a="http://schemas.openxmlformats.org/drawingml/2006/main" xmlns:r="http://schemas.openxmlformats.org/officeDocument/2006/relationships" xmlns:p="http://schemas.openxmlformats.org/presentationml/2006/main">
-  <p:cSld>
-    <p:spTree>
-      <p:nvGrpSpPr>
-        <p:cNvPr id="1" name=""/>
-        <p:cNvGrpSpPr/>
-        <p:nvPr/>
-      </p:nvGrpSpPr>
-      <p:grpSpPr>
-        <a:xfrm>
-          <a:off x="0" y="0"/>
-          <a:ext cx="0" cy="0"/>
-          <a:chOff x="0" y="0"/>
-          <a:chExt cx="0" cy="0"/>
-        </a:xfrm>
-      </p:grpSpPr>
-      <p:pic>
-        <p:nvPicPr>
-          <p:cNvPr id="14338" name="Picture 2" descr="C:\Users\weichun\Documents\san\product_counts.png"/>
-          <p:cNvPicPr>
-            <a:picLocks noChangeAspect="1" noChangeArrowheads="1"/>
-          </p:cNvPicPr>
-          <p:nvPr/>
-        </p:nvPicPr>
-        <p:blipFill>
-          <a:blip r:embed="rId2">
-            <a:extLst>
-              <a:ext uri="{28A0092B-C50C-407E-A947-70E740481C1C}">
-                <a14:useLocalDpi xmlns:a14="http://schemas.microsoft.com/office/drawing/2010/main" val="0"/>
-              </a:ext>
-            </a:extLst>
-          </a:blip>
-          <a:srcRect/>
-          <a:stretch>
-            <a:fillRect/>
-          </a:stretch>
-        </p:blipFill>
-        <p:spPr bwMode="auto">
-          <a:xfrm>
-            <a:off x="3352800" y="457199"/>
-            <a:ext cx="5486400" cy="6400801"/>
-          </a:xfrm>
-          <a:prstGeom prst="rect">
-            <a:avLst/>
-          </a:prstGeom>
-          <a:noFill/>
-          <a:extLst>
-            <a:ext uri="{909E8E84-426E-40DD-AFC4-6F175D3DCCD1}">
-              <a14:hiddenFill xmlns:a14="http://schemas.microsoft.com/office/drawing/2010/main">
-                <a:solidFill>
-                  <a:srgbClr val="FFFFFF"/>
-                </a:solidFill>
-              </a14:hiddenFill>
-            </a:ext>
-          </a:extLst>
-        </p:spPr>
-      </p:pic>
-      <p:sp>
-        <p:nvSpPr>
-          <p:cNvPr id="4" name="Title 1"/>
-          <p:cNvSpPr txBox="1">
-            <a:spLocks/>
-          </p:cNvSpPr>
-          <p:nvPr/>
-        </p:nvSpPr>
-        <p:spPr>
-          <a:xfrm>
-            <a:off x="76200" y="1143000"/>
-            <a:ext cx="3505200" cy="5410200"/>
-          </a:xfrm>
-          <a:prstGeom prst="rect">
-            <a:avLst/>
-          </a:prstGeom>
-        </p:spPr>
-        <p:txBody>
-          <a:bodyPr vert="horz" lIns="91440" tIns="45720" rIns="91440" bIns="45720" rtlCol="0" anchor="ctr">
-            <a:noAutofit/>
-          </a:bodyPr>
-          <a:lstStyle>
-            <a:lvl1pPr algn="ctr" defTabSz="914400" rtl="0" eaLnBrk="1" latinLnBrk="0" hangingPunct="1">
-              <a:spcBef>
-                <a:spcPct val="0"/>
-              </a:spcBef>
-              <a:buNone/>
-              <a:defRPr sz="4400" kern="1200">
-                <a:solidFill>
-                  <a:schemeClr val="tx1"/>
-                </a:solidFill>
-                <a:latin typeface="+mj-lt"/>
-                <a:ea typeface="+mj-ea"/>
-                <a:cs typeface="+mj-cs"/>
-              </a:defRPr>
-            </a:lvl1pPr>
-          </a:lstStyle>
-          <a:p>
-            <a:pPr algn="l"/>
-            <a:r>
-              <a:rPr lang="en-US" sz="2800" dirty="0"/>
-              <a:t>Counts is calculated based on 20% of training data from 16 months.</a:t>
-            </a:r>
-          </a:p>
-          <a:p>
-            <a:pPr algn="l"/>
-            <a:endParaRPr lang="en-US" sz="2800" dirty="0" smtClean="0"/>
-          </a:p>
-          <a:p>
-            <a:pPr algn="l"/>
-            <a:r>
-              <a:rPr lang="en-US" sz="2800" dirty="0" smtClean="0"/>
-              <a:t>Counts for </a:t>
-            </a:r>
-            <a:r>
-              <a:rPr lang="en-US" sz="2800" dirty="0" err="1" smtClean="0"/>
-              <a:t>current_account</a:t>
-            </a:r>
-            <a:r>
-              <a:rPr lang="en-US" sz="2800" dirty="0" smtClean="0"/>
-              <a:t> holders: 1,417,101</a:t>
-            </a:r>
-            <a:endParaRPr lang="en-US" sz="2800" dirty="0"/>
-          </a:p>
-        </p:txBody>
-      </p:sp>
-      <p:sp>
-        <p:nvSpPr>
-          <p:cNvPr id="2" name="Title 1"/>
-          <p:cNvSpPr>
-            <a:spLocks noGrp="1"/>
-          </p:cNvSpPr>
-          <p:nvPr>
-            <p:ph type="title"/>
-          </p:nvPr>
-        </p:nvSpPr>
-        <p:spPr>
-          <a:xfrm>
-            <a:off x="304800" y="304800"/>
-            <a:ext cx="8229600" cy="1143000"/>
-          </a:xfrm>
-        </p:spPr>
-        <p:txBody>
-          <a:bodyPr/>
-          <a:lstStyle/>
-          <a:p>
-            <a:r>
-              <a:rPr lang="en-US" dirty="0" smtClean="0"/>
-              <a:t>Product counts</a:t>
-            </a:r>
-            <a:endParaRPr lang="en-US" dirty="0"/>
-          </a:p>
-        </p:txBody>
-      </p:sp>
-    </p:spTree>
-    <p:extLst>
-      <p:ext uri="{BB962C8B-B14F-4D97-AF65-F5344CB8AC3E}">
-        <p14:creationId xmlns:p14="http://schemas.microsoft.com/office/powerpoint/2010/main" val="3709201733"/>
-      </p:ext>
-    </p:extLst>
-  </p:cSld>
-  <p:clrMapOvr>
-    <a:masterClrMapping/>
-  </p:clrMapOvr>
-  <p:timing>
-    <p:tnLst>
-      <p:par>
-        <p:cTn id="1" dur="indefinite" restart="never" nodeType="tmRoot"/>
-      </p:par>
-    </p:tnLst>
-  </p:timing>
-</p:sld>
-</file>
-
 <file path=ppt/slides/slide2.xml><?xml version="1.0" encoding="utf-8"?>
 <p:sld xmlns:a="http://schemas.openxmlformats.org/drawingml/2006/main" xmlns:r="http://schemas.openxmlformats.org/officeDocument/2006/relationships" xmlns:p="http://schemas.openxmlformats.org/presentationml/2006/main">
   <p:cSld>
@@ -5203,7 +5467,7 @@
         </p:spPr>
         <p:txBody>
           <a:bodyPr>
-            <a:normAutofit/>
+            <a:normAutofit lnSpcReduction="10000"/>
           </a:bodyPr>
           <a:lstStyle/>
           <a:p>
@@ -5236,7 +5500,7 @@
           <a:p>
             <a:r>
               <a:rPr lang="en-US" dirty="0" smtClean="0"/>
-              <a:t>Feature engineering</a:t>
+              <a:t>Feature Importance</a:t>
             </a:r>
           </a:p>
           <a:p>
@@ -5250,6 +5514,21 @@
               <a:rPr lang="en-US" dirty="0" smtClean="0"/>
               <a:t>Summary</a:t>
             </a:r>
+          </a:p>
+          <a:p>
+            <a:r>
+              <a:rPr lang="en-US" dirty="0" smtClean="0"/>
+              <a:t>Usage </a:t>
+            </a:r>
+            <a:r>
+              <a:rPr lang="en-US" smtClean="0"/>
+              <a:t>of </a:t>
+            </a:r>
+            <a:r>
+              <a:rPr lang="en-US" smtClean="0"/>
+              <a:t>results</a:t>
+            </a:r>
+            <a:endParaRPr lang="en-US" dirty="0" smtClean="0"/>
           </a:p>
           <a:p>
             <a:endParaRPr lang="en-US" dirty="0" smtClean="0"/>
@@ -5355,6 +5634,294 @@
       </p:grpSpPr>
       <p:sp>
         <p:nvSpPr>
+          <p:cNvPr id="2" name="Title 1"/>
+          <p:cNvSpPr>
+            <a:spLocks noGrp="1"/>
+          </p:cNvSpPr>
+          <p:nvPr>
+            <p:ph type="title"/>
+          </p:nvPr>
+        </p:nvSpPr>
+        <p:spPr/>
+        <p:txBody>
+          <a:bodyPr>
+            <a:normAutofit/>
+          </a:bodyPr>
+          <a:lstStyle/>
+          <a:p>
+            <a:r>
+              <a:rPr lang="en-US" dirty="0" smtClean="0"/>
+              <a:t>Summary for new accounts analyses</a:t>
+            </a:r>
+            <a:endParaRPr lang="en-US" dirty="0"/>
+          </a:p>
+        </p:txBody>
+      </p:sp>
+      <p:sp>
+        <p:nvSpPr>
+          <p:cNvPr id="4" name="Content Placeholder 3"/>
+          <p:cNvSpPr>
+            <a:spLocks noGrp="1"/>
+          </p:cNvSpPr>
+          <p:nvPr>
+            <p:ph sz="half" idx="1"/>
+          </p:nvPr>
+        </p:nvSpPr>
+        <p:spPr>
+          <a:xfrm>
+            <a:off x="457200" y="1600200"/>
+            <a:ext cx="8001000" cy="4525963"/>
+          </a:xfrm>
+        </p:spPr>
+        <p:txBody>
+          <a:bodyPr>
+            <a:normAutofit/>
+          </a:bodyPr>
+          <a:lstStyle/>
+          <a:p>
+            <a:r>
+              <a:rPr lang="en-US" dirty="0"/>
+              <a:t>There is a remarkable peak at 2015-06-28 for the taxes account. </a:t>
+            </a:r>
+            <a:endParaRPr lang="en-US" dirty="0" smtClean="0"/>
+          </a:p>
+          <a:p>
+            <a:r>
+              <a:rPr lang="en-US" dirty="0" smtClean="0"/>
+              <a:t>For </a:t>
+            </a:r>
+            <a:r>
+              <a:rPr lang="en-US" dirty="0"/>
+              <a:t>the current account, we saw two peaks at 2015-06-28 and 2015-12-28. </a:t>
+            </a:r>
+            <a:endParaRPr lang="en-US" dirty="0" smtClean="0"/>
+          </a:p>
+          <a:p>
+            <a:r>
+              <a:rPr lang="en-US" dirty="0" smtClean="0"/>
+              <a:t>There </a:t>
+            </a:r>
+            <a:r>
+              <a:rPr lang="en-US" dirty="0"/>
+              <a:t>is a increasing trend of new accounts for e-account and a decreasing trend for short-term deposits (no more new accounts in the year 2016).</a:t>
+            </a:r>
+          </a:p>
+          <a:p>
+            <a:endParaRPr lang="en-US" dirty="0"/>
+          </a:p>
+        </p:txBody>
+      </p:sp>
+    </p:spTree>
+    <p:extLst>
+      <p:ext uri="{BB962C8B-B14F-4D97-AF65-F5344CB8AC3E}">
+        <p14:creationId xmlns:p14="http://schemas.microsoft.com/office/powerpoint/2010/main" val="1864190606"/>
+      </p:ext>
+    </p:extLst>
+  </p:cSld>
+  <p:clrMapOvr>
+    <a:masterClrMapping/>
+  </p:clrMapOvr>
+  <p:timing>
+    <p:tnLst>
+      <p:par>
+        <p:cTn id="1" dur="indefinite" restart="never" nodeType="tmRoot"/>
+      </p:par>
+    </p:tnLst>
+  </p:timing>
+</p:sld>
+</file>
+
+<file path=ppt/slides/slide21.xml><?xml version="1.0" encoding="utf-8"?>
+<p:sld xmlns:a="http://schemas.openxmlformats.org/drawingml/2006/main" xmlns:r="http://schemas.openxmlformats.org/officeDocument/2006/relationships" xmlns:p="http://schemas.openxmlformats.org/presentationml/2006/main">
+  <p:cSld>
+    <p:spTree>
+      <p:nvGrpSpPr>
+        <p:cNvPr id="1" name=""/>
+        <p:cNvGrpSpPr/>
+        <p:nvPr/>
+      </p:nvGrpSpPr>
+      <p:grpSpPr>
+        <a:xfrm>
+          <a:off x="0" y="0"/>
+          <a:ext cx="0" cy="0"/>
+          <a:chOff x="0" y="0"/>
+          <a:chExt cx="0" cy="0"/>
+        </a:xfrm>
+      </p:grpSpPr>
+      <p:pic>
+        <p:nvPicPr>
+          <p:cNvPr id="14338" name="Picture 2" descr="C:\Users\weichun\Documents\san\product_counts.png"/>
+          <p:cNvPicPr>
+            <a:picLocks noChangeAspect="1" noChangeArrowheads="1"/>
+          </p:cNvPicPr>
+          <p:nvPr/>
+        </p:nvPicPr>
+        <p:blipFill>
+          <a:blip r:embed="rId2">
+            <a:extLst>
+              <a:ext uri="{28A0092B-C50C-407E-A947-70E740481C1C}">
+                <a14:useLocalDpi xmlns:a14="http://schemas.microsoft.com/office/drawing/2010/main" val="0"/>
+              </a:ext>
+            </a:extLst>
+          </a:blip>
+          <a:srcRect/>
+          <a:stretch>
+            <a:fillRect/>
+          </a:stretch>
+        </p:blipFill>
+        <p:spPr bwMode="auto">
+          <a:xfrm>
+            <a:off x="3352800" y="457199"/>
+            <a:ext cx="5486400" cy="6400801"/>
+          </a:xfrm>
+          <a:prstGeom prst="rect">
+            <a:avLst/>
+          </a:prstGeom>
+          <a:noFill/>
+          <a:extLst>
+            <a:ext uri="{909E8E84-426E-40DD-AFC4-6F175D3DCCD1}">
+              <a14:hiddenFill xmlns:a14="http://schemas.microsoft.com/office/drawing/2010/main">
+                <a:solidFill>
+                  <a:srgbClr val="FFFFFF"/>
+                </a:solidFill>
+              </a14:hiddenFill>
+            </a:ext>
+          </a:extLst>
+        </p:spPr>
+      </p:pic>
+      <p:sp>
+        <p:nvSpPr>
+          <p:cNvPr id="4" name="Title 1"/>
+          <p:cNvSpPr txBox="1">
+            <a:spLocks/>
+          </p:cNvSpPr>
+          <p:nvPr/>
+        </p:nvSpPr>
+        <p:spPr>
+          <a:xfrm>
+            <a:off x="76200" y="1143000"/>
+            <a:ext cx="3505200" cy="5410200"/>
+          </a:xfrm>
+          <a:prstGeom prst="rect">
+            <a:avLst/>
+          </a:prstGeom>
+        </p:spPr>
+        <p:txBody>
+          <a:bodyPr vert="horz" lIns="91440" tIns="45720" rIns="91440" bIns="45720" rtlCol="0" anchor="ctr">
+            <a:noAutofit/>
+          </a:bodyPr>
+          <a:lstStyle>
+            <a:lvl1pPr algn="ctr" defTabSz="914400" rtl="0" eaLnBrk="1" latinLnBrk="0" hangingPunct="1">
+              <a:spcBef>
+                <a:spcPct val="0"/>
+              </a:spcBef>
+              <a:buNone/>
+              <a:defRPr sz="4400" kern="1200">
+                <a:solidFill>
+                  <a:schemeClr val="tx1"/>
+                </a:solidFill>
+                <a:latin typeface="+mj-lt"/>
+                <a:ea typeface="+mj-ea"/>
+                <a:cs typeface="+mj-cs"/>
+              </a:defRPr>
+            </a:lvl1pPr>
+          </a:lstStyle>
+          <a:p>
+            <a:pPr algn="l"/>
+            <a:r>
+              <a:rPr lang="en-US" sz="2800" dirty="0"/>
+              <a:t>Counts is calculated based on 20% of training data from 16 months.</a:t>
+            </a:r>
+          </a:p>
+          <a:p>
+            <a:pPr algn="l"/>
+            <a:endParaRPr lang="en-US" sz="2800" dirty="0" smtClean="0"/>
+          </a:p>
+          <a:p>
+            <a:pPr algn="l"/>
+            <a:r>
+              <a:rPr lang="en-US" sz="2800" dirty="0" smtClean="0"/>
+              <a:t>Counts for </a:t>
+            </a:r>
+            <a:r>
+              <a:rPr lang="en-US" sz="2800" dirty="0" err="1" smtClean="0"/>
+              <a:t>current_account</a:t>
+            </a:r>
+            <a:r>
+              <a:rPr lang="en-US" sz="2800" dirty="0" smtClean="0"/>
+              <a:t> holders: 1,417,101</a:t>
+            </a:r>
+            <a:endParaRPr lang="en-US" sz="2800" dirty="0"/>
+          </a:p>
+        </p:txBody>
+      </p:sp>
+      <p:sp>
+        <p:nvSpPr>
+          <p:cNvPr id="2" name="Title 1"/>
+          <p:cNvSpPr>
+            <a:spLocks noGrp="1"/>
+          </p:cNvSpPr>
+          <p:nvPr>
+            <p:ph type="title"/>
+          </p:nvPr>
+        </p:nvSpPr>
+        <p:spPr>
+          <a:xfrm>
+            <a:off x="304800" y="304800"/>
+            <a:ext cx="8229600" cy="1143000"/>
+          </a:xfrm>
+        </p:spPr>
+        <p:txBody>
+          <a:bodyPr/>
+          <a:lstStyle/>
+          <a:p>
+            <a:r>
+              <a:rPr lang="en-US" dirty="0" smtClean="0"/>
+              <a:t>Product counts</a:t>
+            </a:r>
+            <a:endParaRPr lang="en-US" dirty="0"/>
+          </a:p>
+        </p:txBody>
+      </p:sp>
+    </p:spTree>
+    <p:extLst>
+      <p:ext uri="{BB962C8B-B14F-4D97-AF65-F5344CB8AC3E}">
+        <p14:creationId xmlns:p14="http://schemas.microsoft.com/office/powerpoint/2010/main" val="3709201733"/>
+      </p:ext>
+    </p:extLst>
+  </p:cSld>
+  <p:clrMapOvr>
+    <a:masterClrMapping/>
+  </p:clrMapOvr>
+  <p:timing>
+    <p:tnLst>
+      <p:par>
+        <p:cTn id="1" dur="indefinite" restart="never" nodeType="tmRoot"/>
+      </p:par>
+    </p:tnLst>
+  </p:timing>
+</p:sld>
+</file>
+
+<file path=ppt/slides/slide22.xml><?xml version="1.0" encoding="utf-8"?>
+<p:sld xmlns:a="http://schemas.openxmlformats.org/drawingml/2006/main" xmlns:r="http://schemas.openxmlformats.org/officeDocument/2006/relationships" xmlns:p="http://schemas.openxmlformats.org/presentationml/2006/main">
+  <p:cSld>
+    <p:spTree>
+      <p:nvGrpSpPr>
+        <p:cNvPr id="1" name=""/>
+        <p:cNvGrpSpPr/>
+        <p:nvPr/>
+      </p:nvGrpSpPr>
+      <p:grpSpPr>
+        <a:xfrm>
+          <a:off x="0" y="0"/>
+          <a:ext cx="0" cy="0"/>
+          <a:chOff x="0" y="0"/>
+          <a:chExt cx="0" cy="0"/>
+        </a:xfrm>
+      </p:grpSpPr>
+      <p:sp>
+        <p:nvSpPr>
           <p:cNvPr id="3" name="Title 2"/>
           <p:cNvSpPr>
             <a:spLocks noGrp="1"/>
@@ -5516,7 +6083,6 @@
               <a:rPr lang="en-US" dirty="0"/>
               <a:t>Product “current account” has the most coverage (~66%)</a:t>
             </a:r>
-            <a:endParaRPr lang="en-US" dirty="0"/>
           </a:p>
         </p:txBody>
       </p:sp>
@@ -5540,7 +6106,7 @@
 </p:sld>
 </file>
 
-<file path=ppt/slides/slide21.xml><?xml version="1.0" encoding="utf-8"?>
+<file path=ppt/slides/slide23.xml><?xml version="1.0" encoding="utf-8"?>
 <p:sld xmlns:a="http://schemas.openxmlformats.org/drawingml/2006/main" xmlns:r="http://schemas.openxmlformats.org/officeDocument/2006/relationships" xmlns:p="http://schemas.openxmlformats.org/presentationml/2006/main">
   <p:cSld>
     <p:spTree>
@@ -5627,15 +6193,7 @@
             <a:pPr lvl="1"/>
             <a:r>
               <a:rPr lang="en-US" dirty="0" smtClean="0"/>
-              <a:t>Check numerical fields only have </a:t>
-            </a:r>
-            <a:r>
-              <a:rPr lang="en-US" dirty="0" err="1" smtClean="0"/>
-              <a:t>numerial</a:t>
-            </a:r>
-            <a:r>
-              <a:rPr lang="en-US" dirty="0" smtClean="0"/>
-              <a:t> values. Age </a:t>
+              <a:t>Check numerical fields only have numerical values. Age </a:t>
             </a:r>
             <a:r>
               <a:rPr lang="en-US" dirty="0"/>
@@ -5688,7 +6246,7 @@
 </p:sld>
 </file>
 
-<file path=ppt/slides/slide22.xml><?xml version="1.0" encoding="utf-8"?>
+<file path=ppt/slides/slide24.xml><?xml version="1.0" encoding="utf-8"?>
 <p:sld xmlns:a="http://schemas.openxmlformats.org/drawingml/2006/main" xmlns:r="http://schemas.openxmlformats.org/officeDocument/2006/relationships" xmlns:p="http://schemas.openxmlformats.org/presentationml/2006/main">
   <p:cSld>
     <p:spTree>
@@ -5849,7 +6407,7 @@
 </p:sld>
 </file>
 
-<file path=ppt/slides/slide23.xml><?xml version="1.0" encoding="utf-8"?>
+<file path=ppt/slides/slide25.xml><?xml version="1.0" encoding="utf-8"?>
 <p:sld xmlns:a="http://schemas.openxmlformats.org/drawingml/2006/main" xmlns:r="http://schemas.openxmlformats.org/officeDocument/2006/relationships" xmlns:p="http://schemas.openxmlformats.org/presentationml/2006/main">
   <p:cSld>
     <p:spTree>
@@ -5901,13 +6459,13 @@
         </p:nvSpPr>
         <p:spPr>
           <a:xfrm>
-            <a:off x="12192" y="1524000"/>
-            <a:ext cx="4495800" cy="4525963"/>
+            <a:off x="12192" y="1524001"/>
+            <a:ext cx="4940808" cy="4495800"/>
           </a:xfrm>
         </p:spPr>
         <p:txBody>
           <a:bodyPr>
-            <a:normAutofit fontScale="92500" lnSpcReduction="10000"/>
+            <a:normAutofit fontScale="92500"/>
           </a:bodyPr>
           <a:lstStyle/>
           <a:p>
@@ -6309,7 +6867,7 @@
 </p:sld>
 </file>
 
-<file path=ppt/slides/slide24.xml><?xml version="1.0" encoding="utf-8"?>
+<file path=ppt/slides/slide26.xml><?xml version="1.0" encoding="utf-8"?>
 <p:sld xmlns:a="http://schemas.openxmlformats.org/drawingml/2006/main" xmlns:r="http://schemas.openxmlformats.org/officeDocument/2006/relationships" xmlns:p="http://schemas.openxmlformats.org/presentationml/2006/main">
   <p:cSld>
     <p:spTree>
@@ -6766,7 +7324,7 @@
 </p:sld>
 </file>
 
-<file path=ppt/slides/slide25.xml><?xml version="1.0" encoding="utf-8"?>
+<file path=ppt/slides/slide27.xml><?xml version="1.0" encoding="utf-8"?>
 <p:sld xmlns:a="http://schemas.openxmlformats.org/drawingml/2006/main" xmlns:r="http://schemas.openxmlformats.org/officeDocument/2006/relationships" xmlns:p="http://schemas.openxmlformats.org/presentationml/2006/main">
   <p:cSld>
     <p:spTree>
@@ -6955,11 +7513,7 @@
             </a:r>
             <a:r>
               <a:rPr lang="en-US" sz="2000" dirty="0" smtClean="0"/>
-              <a:t> mean</a:t>
-            </a:r>
-            <a:r>
-              <a:rPr lang="en-US" sz="2000" dirty="0" smtClean="0"/>
-              <a:t>: 0.75332, </a:t>
+              <a:t> mean: 0.75332, </a:t>
             </a:r>
             <a:r>
               <a:rPr lang="en-US" sz="2000" dirty="0" err="1" smtClean="0"/>
@@ -7174,13 +7728,8 @@
             </a:r>
             <a:r>
               <a:rPr lang="en-US" sz="2000" dirty="0" smtClean="0"/>
-              <a:t>': 0.01</a:t>
-            </a:r>
-            <a:r>
-              <a:rPr lang="en-US" sz="2000" dirty="0" smtClean="0"/>
-              <a:t>}</a:t>
-            </a:r>
-            <a:endParaRPr lang="en-US" sz="2000" dirty="0" smtClean="0"/>
+              <a:t>': 0.01}</a:t>
+            </a:r>
           </a:p>
           <a:p>
             <a:r>
@@ -7244,7 +7793,7 @@
 </p:sld>
 </file>
 
-<file path=ppt/slides/slide26.xml><?xml version="1.0" encoding="utf-8"?>
+<file path=ppt/slides/slide28.xml><?xml version="1.0" encoding="utf-8"?>
 <p:sld xmlns:a="http://schemas.openxmlformats.org/drawingml/2006/main" xmlns:r="http://schemas.openxmlformats.org/officeDocument/2006/relationships" xmlns:p="http://schemas.openxmlformats.org/presentationml/2006/main">
   <p:cSld>
     <p:spTree>
@@ -7420,13 +7969,20 @@
             </a:r>
             <a:r>
               <a:rPr lang="en-US" sz="2000" dirty="0" smtClean="0"/>
-              <a:t>Age and seniority were also </a:t>
+              <a:t>Age and seniority are also </a:t>
             </a:r>
             <a:r>
               <a:rPr lang="en-US" sz="2000" dirty="0"/>
-              <a:t>important. Employee index and deceased info were not as important.</a:t>
-            </a:r>
-            <a:endParaRPr lang="en-US" sz="2000" dirty="0"/>
+              <a:t>important. Employee index and deceased info </a:t>
+            </a:r>
+            <a:r>
+              <a:rPr lang="en-US" sz="2000" dirty="0" smtClean="0"/>
+              <a:t>are </a:t>
+            </a:r>
+            <a:r>
+              <a:rPr lang="en-US" sz="2000" dirty="0"/>
+              <a:t>not as important.</a:t>
+            </a:r>
           </a:p>
         </p:txBody>
       </p:sp>
@@ -7494,7 +8050,7 @@
 </p:sld>
 </file>
 
-<file path=ppt/slides/slide27.xml><?xml version="1.0" encoding="utf-8"?>
+<file path=ppt/slides/slide29.xml><?xml version="1.0" encoding="utf-8"?>
 <p:sld xmlns:a="http://schemas.openxmlformats.org/drawingml/2006/main" xmlns:r="http://schemas.openxmlformats.org/officeDocument/2006/relationships" xmlns:p="http://schemas.openxmlformats.org/presentationml/2006/main">
   <p:cSld>
     <p:spTree>
@@ -7561,7 +8117,7 @@
         <p:spPr>
           <a:xfrm>
             <a:off x="990600" y="5059740"/>
-            <a:ext cx="7620000" cy="1323439"/>
+            <a:ext cx="7696200" cy="1323439"/>
           </a:xfrm>
           <a:prstGeom prst="rect">
             <a:avLst/>
@@ -7665,11 +8221,6 @@
               </a:rPr>
               <a:t>.</a:t>
             </a:r>
-            <a:endParaRPr lang="en-US" sz="2000" dirty="0">
-              <a:solidFill>
-                <a:prstClr val="black"/>
-              </a:solidFill>
-            </a:endParaRPr>
           </a:p>
         </p:txBody>
       </p:sp>
@@ -7742,7 +8293,128 @@
 </p:sld>
 </file>
 
-<file path=ppt/slides/slide28.xml><?xml version="1.0" encoding="utf-8"?>
+<file path=ppt/slides/slide3.xml><?xml version="1.0" encoding="utf-8"?>
+<p:sld xmlns:a="http://schemas.openxmlformats.org/drawingml/2006/main" xmlns:r="http://schemas.openxmlformats.org/officeDocument/2006/relationships" xmlns:p="http://schemas.openxmlformats.org/presentationml/2006/main">
+  <p:cSld>
+    <p:spTree>
+      <p:nvGrpSpPr>
+        <p:cNvPr id="1" name=""/>
+        <p:cNvGrpSpPr/>
+        <p:nvPr/>
+      </p:nvGrpSpPr>
+      <p:grpSpPr>
+        <a:xfrm>
+          <a:off x="0" y="0"/>
+          <a:ext cx="0" cy="0"/>
+          <a:chOff x="0" y="0"/>
+          <a:chExt cx="0" cy="0"/>
+        </a:xfrm>
+      </p:grpSpPr>
+      <p:sp>
+        <p:nvSpPr>
+          <p:cNvPr id="8" name="Title 7"/>
+          <p:cNvSpPr>
+            <a:spLocks noGrp="1"/>
+          </p:cNvSpPr>
+          <p:nvPr>
+            <p:ph type="title"/>
+          </p:nvPr>
+        </p:nvSpPr>
+        <p:spPr/>
+        <p:txBody>
+          <a:bodyPr>
+            <a:normAutofit/>
+          </a:bodyPr>
+          <a:lstStyle/>
+          <a:p>
+            <a:r>
+              <a:rPr lang="en-US" dirty="0" smtClean="0"/>
+              <a:t>Introduction </a:t>
+            </a:r>
+          </a:p>
+        </p:txBody>
+      </p:sp>
+      <p:sp>
+        <p:nvSpPr>
+          <p:cNvPr id="2" name="Content Placeholder 1"/>
+          <p:cNvSpPr>
+            <a:spLocks noGrp="1"/>
+          </p:cNvSpPr>
+          <p:nvPr>
+            <p:ph idx="1"/>
+          </p:nvPr>
+        </p:nvSpPr>
+        <p:spPr/>
+        <p:txBody>
+          <a:bodyPr>
+            <a:normAutofit fontScale="92500" lnSpcReduction="20000"/>
+          </a:bodyPr>
+          <a:lstStyle/>
+          <a:p>
+            <a:r>
+              <a:rPr lang="en-US" dirty="0"/>
+              <a:t>Santander is a bank which offers financial products and services. The whole dataset is 1.5 years and has monthly records of multiple columns that store customer’s information, such as customer code, status of employment, customer’s country residence, age, gender of customer, gross income of the household, etc. There are also 24 product columns storing product items a customer has, such as "credit card", "savings account", “mortgage”, “short-term deposits”, “medium-term deposits”, “long-term deposits”, etc.</a:t>
+            </a:r>
+          </a:p>
+          <a:p>
+            <a:endParaRPr lang="en-US" dirty="0"/>
+          </a:p>
+          <a:p>
+            <a:r>
+              <a:rPr lang="en-US" dirty="0" smtClean="0"/>
+              <a:t>Data source</a:t>
+            </a:r>
+            <a:r>
+              <a:rPr lang="en-US" dirty="0"/>
+              <a:t>: </a:t>
+            </a:r>
+            <a:r>
+              <a:rPr lang="en-US" u="sng" dirty="0">
+                <a:hlinkClick r:id="rId2"/>
+              </a:rPr>
+              <a:t>https://www.kaggle.com/c/santander-product-recommendation</a:t>
+            </a:r>
+            <a:endParaRPr lang="en-US" dirty="0"/>
+          </a:p>
+          <a:p>
+            <a:endParaRPr lang="en-US" dirty="0"/>
+          </a:p>
+          <a:p>
+            <a:r>
+              <a:rPr lang="en-US" dirty="0" smtClean="0"/>
+              <a:t>Business problem: to </a:t>
+            </a:r>
+            <a:r>
+              <a:rPr lang="en-US" dirty="0"/>
+              <a:t>predict if a customer has an account or not based on the customer’s information. </a:t>
+            </a:r>
+          </a:p>
+          <a:p>
+            <a:endParaRPr lang="en-US" dirty="0"/>
+          </a:p>
+        </p:txBody>
+      </p:sp>
+    </p:spTree>
+    <p:extLst>
+      <p:ext uri="{BB962C8B-B14F-4D97-AF65-F5344CB8AC3E}">
+        <p14:creationId xmlns:p14="http://schemas.microsoft.com/office/powerpoint/2010/main" val="4221622608"/>
+      </p:ext>
+    </p:extLst>
+  </p:cSld>
+  <p:clrMapOvr>
+    <a:masterClrMapping/>
+  </p:clrMapOvr>
+  <p:timing>
+    <p:tnLst>
+      <p:par>
+        <p:cTn id="1" dur="indefinite" restart="never" nodeType="tmRoot"/>
+      </p:par>
+    </p:tnLst>
+  </p:timing>
+</p:sld>
+</file>
+
+<file path=ppt/slides/slide30.xml><?xml version="1.0" encoding="utf-8"?>
 <p:sld xmlns:a="http://schemas.openxmlformats.org/drawingml/2006/main" xmlns:r="http://schemas.openxmlformats.org/officeDocument/2006/relationships" xmlns:p="http://schemas.openxmlformats.org/presentationml/2006/main">
   <p:cSld>
     <p:spTree>
@@ -7767,8 +8439,8 @@
         </p:nvSpPr>
         <p:spPr>
           <a:xfrm>
-            <a:off x="685800" y="2743200"/>
-            <a:ext cx="5638800" cy="1754326"/>
+            <a:off x="685800" y="2589074"/>
+            <a:ext cx="6629400" cy="1754326"/>
           </a:xfrm>
           <a:prstGeom prst="rect">
             <a:avLst/>
@@ -7781,17 +8453,33 @@
           <a:lstStyle/>
           <a:p>
             <a:r>
+              <a:rPr lang="en-US" dirty="0" smtClean="0"/>
+              <a:t>Use (1) Logistic Regression, (2) Decision Tree (3) KNN</a:t>
+            </a:r>
+          </a:p>
+          <a:p>
+            <a:r>
+              <a:rPr lang="en-US" dirty="0" smtClean="0"/>
+              <a:t>10-fold </a:t>
+            </a:r>
+            <a:r>
               <a:rPr lang="en-US" dirty="0"/>
-              <a:t>10-fold cross validation:</a:t>
-            </a:r>
-          </a:p>
-          <a:p>
+              <a:t>cross </a:t>
+            </a:r>
+            <a:r>
+              <a:rPr lang="en-US" dirty="0" smtClean="0"/>
+              <a:t>validation (training data):</a:t>
+            </a:r>
             <a:endParaRPr lang="en-US" dirty="0"/>
           </a:p>
           <a:p>
             <a:r>
+              <a:rPr lang="en-US" dirty="0" smtClean="0"/>
+              <a:t>ROC </a:t>
+            </a:r>
+            <a:r>
               <a:rPr lang="en-US" dirty="0"/>
-              <a:t>ROC AUC: 0.73 (+/- 0.00) [Logistic </a:t>
+              <a:t>AUC: 0.73 (+/- 0.00) [Logistic </a:t>
             </a:r>
             <a:r>
               <a:rPr lang="en-US" dirty="0" smtClean="0"/>
@@ -7834,8 +8522,8 @@
         </p:nvSpPr>
         <p:spPr>
           <a:xfrm>
-            <a:off x="771144" y="4544568"/>
-            <a:ext cx="5873496" cy="1754326"/>
+            <a:off x="685800" y="4544568"/>
+            <a:ext cx="6391656" cy="1754326"/>
           </a:xfrm>
           <a:prstGeom prst="rect">
             <a:avLst/>
@@ -7848,63 +8536,159 @@
           <a:lstStyle/>
           <a:p>
             <a:r>
-              <a:rPr lang="en-US" dirty="0"/>
-              <a:t>10-fold cross validation:</a:t>
-            </a:r>
-          </a:p>
-          <a:p>
-            <a:endParaRPr lang="en-US" dirty="0"/>
-          </a:p>
-          <a:p>
-            <a:r>
-              <a:rPr lang="en-US" dirty="0"/>
+              <a:rPr lang="en-US" dirty="0" smtClean="0">
+                <a:solidFill>
+                  <a:srgbClr val="00B050"/>
+                </a:solidFill>
+              </a:rPr>
+              <a:t>Use (1) Logistic Regression, (2) </a:t>
+            </a:r>
+            <a:r>
+              <a:rPr lang="en-US" dirty="0" err="1" smtClean="0">
+                <a:solidFill>
+                  <a:srgbClr val="00B050"/>
+                </a:solidFill>
+              </a:rPr>
+              <a:t>xgboost</a:t>
+            </a:r>
+            <a:r>
+              <a:rPr lang="en-US" dirty="0" smtClean="0">
+                <a:solidFill>
+                  <a:srgbClr val="00B050"/>
+                </a:solidFill>
+              </a:rPr>
+              <a:t> (3) Random Forest </a:t>
+            </a:r>
+          </a:p>
+          <a:p>
+            <a:r>
+              <a:rPr lang="en-US" dirty="0" smtClean="0">
+                <a:solidFill>
+                  <a:srgbClr val="00B050"/>
+                </a:solidFill>
+              </a:rPr>
+              <a:t>10-fold </a:t>
+            </a:r>
+            <a:r>
+              <a:rPr lang="en-US" dirty="0">
+                <a:solidFill>
+                  <a:srgbClr val="00B050"/>
+                </a:solidFill>
+              </a:rPr>
+              <a:t>cross </a:t>
+            </a:r>
+            <a:r>
+              <a:rPr lang="en-US" dirty="0" smtClean="0">
+                <a:solidFill>
+                  <a:srgbClr val="00B050"/>
+                </a:solidFill>
+              </a:rPr>
+              <a:t>validation (training data):</a:t>
+            </a:r>
+            <a:endParaRPr lang="en-US" dirty="0">
+              <a:solidFill>
+                <a:srgbClr val="00B050"/>
+              </a:solidFill>
+            </a:endParaRPr>
+          </a:p>
+          <a:p>
+            <a:r>
+              <a:rPr lang="en-US" dirty="0">
+                <a:solidFill>
+                  <a:srgbClr val="00B050"/>
+                </a:solidFill>
+              </a:rPr>
               <a:t>ROC AUC: 0.73 (+/- 0.00) [Logistic </a:t>
             </a:r>
             <a:r>
-              <a:rPr lang="en-US" dirty="0" smtClean="0"/>
+              <a:rPr lang="en-US" dirty="0" smtClean="0">
+                <a:solidFill>
+                  <a:srgbClr val="00B050"/>
+                </a:solidFill>
+              </a:rPr>
               <a:t>Regression</a:t>
             </a:r>
             <a:r>
-              <a:rPr lang="en-US" dirty="0"/>
+              <a:rPr lang="en-US" dirty="0">
+                <a:solidFill>
+                  <a:srgbClr val="00B050"/>
+                </a:solidFill>
+              </a:rPr>
               <a:t>]</a:t>
             </a:r>
           </a:p>
           <a:p>
             <a:r>
-              <a:rPr lang="en-US" dirty="0" smtClean="0"/>
+              <a:rPr lang="en-US" dirty="0" smtClean="0">
+                <a:solidFill>
+                  <a:srgbClr val="00B050"/>
+                </a:solidFill>
+              </a:rPr>
               <a:t>ROC </a:t>
             </a:r>
             <a:r>
-              <a:rPr lang="en-US" dirty="0"/>
+              <a:rPr lang="en-US" dirty="0">
+                <a:solidFill>
+                  <a:srgbClr val="00B050"/>
+                </a:solidFill>
+              </a:rPr>
               <a:t>AUC: 0.82 (+/- 0.00) [</a:t>
             </a:r>
             <a:r>
-              <a:rPr lang="en-US" dirty="0" err="1"/>
+              <a:rPr lang="en-US" dirty="0" err="1">
+                <a:solidFill>
+                  <a:srgbClr val="00B050"/>
+                </a:solidFill>
+              </a:rPr>
               <a:t>Xgboost</a:t>
             </a:r>
             <a:r>
-              <a:rPr lang="en-US" dirty="0"/>
+              <a:rPr lang="en-US" dirty="0">
+                <a:solidFill>
+                  <a:srgbClr val="00B050"/>
+                </a:solidFill>
+              </a:rPr>
               <a:t>] </a:t>
             </a:r>
-            <a:endParaRPr lang="en-US" dirty="0" smtClean="0"/>
-          </a:p>
-          <a:p>
-            <a:r>
-              <a:rPr lang="en-US" dirty="0" smtClean="0"/>
+            <a:endParaRPr lang="en-US" dirty="0" smtClean="0">
+              <a:solidFill>
+                <a:srgbClr val="00B050"/>
+              </a:solidFill>
+            </a:endParaRPr>
+          </a:p>
+          <a:p>
+            <a:r>
+              <a:rPr lang="en-US" dirty="0" smtClean="0">
+                <a:solidFill>
+                  <a:srgbClr val="00B050"/>
+                </a:solidFill>
+              </a:rPr>
               <a:t>ROC </a:t>
             </a:r>
             <a:r>
-              <a:rPr lang="en-US" dirty="0"/>
+              <a:rPr lang="en-US" dirty="0">
+                <a:solidFill>
+                  <a:srgbClr val="00B050"/>
+                </a:solidFill>
+              </a:rPr>
               <a:t>AUC: 0.81 (+/- 0.00) [Random Forest</a:t>
             </a:r>
             <a:r>
-              <a:rPr lang="en-US" dirty="0" smtClean="0"/>
+              <a:rPr lang="en-US" dirty="0" smtClean="0">
+                <a:solidFill>
+                  <a:srgbClr val="00B050"/>
+                </a:solidFill>
+              </a:rPr>
               <a:t>]</a:t>
             </a:r>
           </a:p>
           <a:p>
             <a:r>
-              <a:rPr lang="en-US" dirty="0"/>
+              <a:rPr lang="en-US" dirty="0">
+                <a:solidFill>
+                  <a:srgbClr val="00B050"/>
+                </a:solidFill>
+              </a:rPr>
               <a:t>ROC AUC: 0.81 (+/- 0.00) [Majority Voting]</a:t>
             </a:r>
           </a:p>
@@ -8003,13 +8787,16 @@
                   <a:srgbClr val="0070C0"/>
                 </a:solidFill>
               </a:rPr>
-              <a:t>majority voting to predict  the class label based on majority of classifiers</a:t>
-            </a:r>
-            <a:endParaRPr lang="en-US" sz="2400" dirty="0">
-              <a:solidFill>
-                <a:srgbClr val="0070C0"/>
-              </a:solidFill>
-            </a:endParaRPr>
+              <a:t>majority voting to predict  the class label based on majority of </a:t>
+            </a:r>
+            <a:r>
+              <a:rPr lang="en-US" sz="2400" i="1" dirty="0" smtClean="0">
+                <a:solidFill>
+                  <a:srgbClr val="0070C0"/>
+                </a:solidFill>
+              </a:rPr>
+              <a:t>classifiers</a:t>
+            </a:r>
           </a:p>
         </p:txBody>
       </p:sp>
@@ -8033,7 +8820,7 @@
 </p:sld>
 </file>
 
-<file path=ppt/slides/slide29.xml><?xml version="1.0" encoding="utf-8"?>
+<file path=ppt/slides/slide31.xml><?xml version="1.0" encoding="utf-8"?>
 <p:sld xmlns:a="http://schemas.openxmlformats.org/drawingml/2006/main" xmlns:r="http://schemas.openxmlformats.org/officeDocument/2006/relationships" xmlns:p="http://schemas.openxmlformats.org/presentationml/2006/main">
   <p:cSld>
     <p:spTree>
@@ -8123,141 +8910,7 @@
 </p:sld>
 </file>
 
-<file path=ppt/slides/slide3.xml><?xml version="1.0" encoding="utf-8"?>
-<p:sld xmlns:a="http://schemas.openxmlformats.org/drawingml/2006/main" xmlns:r="http://schemas.openxmlformats.org/officeDocument/2006/relationships" xmlns:p="http://schemas.openxmlformats.org/presentationml/2006/main">
-  <p:cSld>
-    <p:spTree>
-      <p:nvGrpSpPr>
-        <p:cNvPr id="1" name=""/>
-        <p:cNvGrpSpPr/>
-        <p:nvPr/>
-      </p:nvGrpSpPr>
-      <p:grpSpPr>
-        <a:xfrm>
-          <a:off x="0" y="0"/>
-          <a:ext cx="0" cy="0"/>
-          <a:chOff x="0" y="0"/>
-          <a:chExt cx="0" cy="0"/>
-        </a:xfrm>
-      </p:grpSpPr>
-      <p:sp>
-        <p:nvSpPr>
-          <p:cNvPr id="8" name="Title 7"/>
-          <p:cNvSpPr>
-            <a:spLocks noGrp="1"/>
-          </p:cNvSpPr>
-          <p:nvPr>
-            <p:ph type="title"/>
-          </p:nvPr>
-        </p:nvSpPr>
-        <p:spPr/>
-        <p:txBody>
-          <a:bodyPr>
-            <a:normAutofit/>
-          </a:bodyPr>
-          <a:lstStyle/>
-          <a:p>
-            <a:r>
-              <a:rPr lang="en-US" dirty="0" smtClean="0"/>
-              <a:t>Introduction </a:t>
-            </a:r>
-          </a:p>
-        </p:txBody>
-      </p:sp>
-      <p:sp>
-        <p:nvSpPr>
-          <p:cNvPr id="9" name="Rectangle 8"/>
-          <p:cNvSpPr/>
-          <p:nvPr/>
-        </p:nvSpPr>
-        <p:spPr>
-          <a:xfrm>
-            <a:off x="609600" y="1371600"/>
-            <a:ext cx="8077200" cy="5355312"/>
-          </a:xfrm>
-          <a:prstGeom prst="rect">
-            <a:avLst/>
-          </a:prstGeom>
-        </p:spPr>
-        <p:txBody>
-          <a:bodyPr wrap="square">
-            <a:spAutoFit/>
-          </a:bodyPr>
-          <a:lstStyle/>
-          <a:p>
-            <a:r>
-              <a:rPr lang="en-US" dirty="0" smtClean="0"/>
-              <a:t>Santander </a:t>
-            </a:r>
-            <a:r>
-              <a:rPr lang="en-US" dirty="0"/>
-              <a:t>is a bank which offers financial products and services. The whole dataset is 1.5 years and has monthly records of multiple columns that store customer’s information, such as customer code, status of employment, customer’s country residence, age, gender of customer, gross income of the household, etc. There are also 24 product columns storing product items a customer has, such as "credit card", "savings account", “mortgage”, “short-term deposits”, “medium-term deposits”, “long-term deposits”, etc.</a:t>
-            </a:r>
-          </a:p>
-          <a:p>
-            <a:endParaRPr lang="en-US" dirty="0" smtClean="0"/>
-          </a:p>
-          <a:p>
-            <a:r>
-              <a:rPr lang="en-US" dirty="0" smtClean="0"/>
-              <a:t>Link </a:t>
-            </a:r>
-            <a:r>
-              <a:rPr lang="en-US" dirty="0"/>
-              <a:t>of data source: </a:t>
-            </a:r>
-            <a:r>
-              <a:rPr lang="en-US" u="sng" dirty="0">
-                <a:hlinkClick r:id="rId2"/>
-              </a:rPr>
-              <a:t>https://www.kaggle.com/c/santander-product-recommendation</a:t>
-            </a:r>
-            <a:endParaRPr lang="en-US" dirty="0"/>
-          </a:p>
-          <a:p>
-            <a:endParaRPr lang="en-US" dirty="0" smtClean="0"/>
-          </a:p>
-          <a:p>
-            <a:r>
-              <a:rPr lang="en-US" dirty="0" smtClean="0"/>
-              <a:t>Goal: To predict if a customer has an account or not based on the customer’s information. </a:t>
-            </a:r>
-          </a:p>
-          <a:p>
-            <a:endParaRPr lang="en-US" dirty="0"/>
-          </a:p>
-          <a:p>
-            <a:r>
-              <a:rPr lang="en-US" dirty="0" smtClean="0"/>
-              <a:t>Note: the original challenge is to predict what products Santander’ customers will purchase in the next month based on past data. We simplify the problem by modeling one product(current account) that has the most coverage and make prediction on if a customer hold the account with bank or not.</a:t>
-            </a:r>
-          </a:p>
-          <a:p>
-            <a:endParaRPr lang="en-US" dirty="0" smtClean="0"/>
-          </a:p>
-        </p:txBody>
-      </p:sp>
-    </p:spTree>
-    <p:extLst>
-      <p:ext uri="{BB962C8B-B14F-4D97-AF65-F5344CB8AC3E}">
-        <p14:creationId xmlns:p14="http://schemas.microsoft.com/office/powerpoint/2010/main" val="957820972"/>
-      </p:ext>
-    </p:extLst>
-  </p:cSld>
-  <p:clrMapOvr>
-    <a:masterClrMapping/>
-  </p:clrMapOvr>
-  <p:timing>
-    <p:tnLst>
-      <p:par>
-        <p:cTn id="1" dur="indefinite" restart="never" nodeType="tmRoot"/>
-      </p:par>
-    </p:tnLst>
-  </p:timing>
-</p:sld>
-</file>
-
-<file path=ppt/slides/slide30.xml><?xml version="1.0" encoding="utf-8"?>
+<file path=ppt/slides/slide32.xml><?xml version="1.0" encoding="utf-8"?>
 <p:sld xmlns:a="http://schemas.openxmlformats.org/drawingml/2006/main" xmlns:r="http://schemas.openxmlformats.org/officeDocument/2006/relationships" xmlns:p="http://schemas.openxmlformats.org/presentationml/2006/main">
   <p:cSld>
     <p:spTree>
@@ -8354,7 +9007,7 @@
             </a:r>
             <a:r>
               <a:rPr lang="en-US" dirty="0" smtClean="0"/>
-              <a:t>validation = 10,  AUC ~ </a:t>
+              <a:t>validation = 3,  AUC ~ </a:t>
             </a:r>
             <a:r>
               <a:rPr lang="en-US" dirty="0"/>
@@ -8365,7 +9018,7 @@
             <a:pPr lvl="1"/>
             <a:r>
               <a:rPr lang="en-US" dirty="0" smtClean="0"/>
-              <a:t>Cross validation: 0.82</a:t>
+              <a:t>Cross validation =10,  AUC ~ 0.82</a:t>
             </a:r>
             <a:endParaRPr lang="en-US" dirty="0"/>
           </a:p>
@@ -8398,7 +9051,7 @@
 </p:sld>
 </file>
 
-<file path=ppt/slides/slide31.xml><?xml version="1.0" encoding="utf-8"?>
+<file path=ppt/slides/slide33.xml><?xml version="1.0" encoding="utf-8"?>
 <p:sld xmlns:a="http://schemas.openxmlformats.org/drawingml/2006/main" xmlns:r="http://schemas.openxmlformats.org/officeDocument/2006/relationships" xmlns:p="http://schemas.openxmlformats.org/presentationml/2006/main">
   <p:cSld>
     <p:spTree>
@@ -8601,7 +9254,418 @@
 </p:sld>
 </file>
 
-<file path=ppt/slides/slide32.xml><?xml version="1.0" encoding="utf-8"?>
+<file path=ppt/slides/slide34.xml><?xml version="1.0" encoding="utf-8"?>
+<p:sld xmlns:a="http://schemas.openxmlformats.org/drawingml/2006/main" xmlns:r="http://schemas.openxmlformats.org/officeDocument/2006/relationships" xmlns:p="http://schemas.openxmlformats.org/presentationml/2006/main">
+  <p:cSld>
+    <p:spTree>
+      <p:nvGrpSpPr>
+        <p:cNvPr id="1" name=""/>
+        <p:cNvGrpSpPr/>
+        <p:nvPr/>
+      </p:nvGrpSpPr>
+      <p:grpSpPr>
+        <a:xfrm>
+          <a:off x="0" y="0"/>
+          <a:ext cx="0" cy="0"/>
+          <a:chOff x="0" y="0"/>
+          <a:chExt cx="0" cy="0"/>
+        </a:xfrm>
+      </p:grpSpPr>
+      <p:sp>
+        <p:nvSpPr>
+          <p:cNvPr id="2" name="Title 1"/>
+          <p:cNvSpPr>
+            <a:spLocks noGrp="1"/>
+          </p:cNvSpPr>
+          <p:nvPr>
+            <p:ph type="title"/>
+          </p:nvPr>
+        </p:nvSpPr>
+        <p:spPr/>
+        <p:txBody>
+          <a:bodyPr/>
+          <a:lstStyle/>
+          <a:p>
+            <a:r>
+              <a:rPr lang="en-US" dirty="0" smtClean="0"/>
+              <a:t>Usage of results</a:t>
+            </a:r>
+            <a:endParaRPr lang="en-US" dirty="0"/>
+          </a:p>
+        </p:txBody>
+      </p:sp>
+      <p:sp>
+        <p:nvSpPr>
+          <p:cNvPr id="3" name="Content Placeholder 2"/>
+          <p:cNvSpPr>
+            <a:spLocks noGrp="1"/>
+          </p:cNvSpPr>
+          <p:nvPr>
+            <p:ph idx="1"/>
+          </p:nvPr>
+        </p:nvSpPr>
+        <p:spPr/>
+        <p:txBody>
+          <a:bodyPr/>
+          <a:lstStyle/>
+          <a:p>
+            <a:endParaRPr lang="en-US" dirty="0" smtClean="0"/>
+          </a:p>
+          <a:p>
+            <a:r>
+              <a:rPr lang="en-US" dirty="0" smtClean="0"/>
+              <a:t>Find potential customers </a:t>
+            </a:r>
+          </a:p>
+          <a:p>
+            <a:r>
+              <a:rPr lang="en-US" dirty="0" smtClean="0"/>
+              <a:t>Customers who own current accounts may be more interested in other types of accounts, so bank can provide recommendation to those customers  </a:t>
+            </a:r>
+          </a:p>
+          <a:p>
+            <a:r>
+              <a:rPr lang="en-US" dirty="0" smtClean="0"/>
+              <a:t>For non-customers (who do not own current accounts), send advertisements to them </a:t>
+            </a:r>
+          </a:p>
+          <a:p>
+            <a:r>
+              <a:rPr lang="en-US" dirty="0" smtClean="0"/>
+              <a:t>Broadcast tax accounts when time is close the end of tax year</a:t>
+            </a:r>
+          </a:p>
+          <a:p>
+            <a:endParaRPr lang="en-US" dirty="0"/>
+          </a:p>
+        </p:txBody>
+      </p:sp>
+      <p:pic>
+        <p:nvPicPr>
+          <p:cNvPr id="3074" name="Picture 2"/>
+          <p:cNvPicPr>
+            <a:picLocks noChangeAspect="1" noChangeArrowheads="1"/>
+          </p:cNvPicPr>
+          <p:nvPr/>
+        </p:nvPicPr>
+        <p:blipFill>
+          <a:blip r:embed="rId2">
+            <a:extLst>
+              <a:ext uri="{28A0092B-C50C-407E-A947-70E740481C1C}">
+                <a14:useLocalDpi xmlns:a14="http://schemas.microsoft.com/office/drawing/2010/main" val="0"/>
+              </a:ext>
+            </a:extLst>
+          </a:blip>
+          <a:srcRect/>
+          <a:stretch>
+            <a:fillRect/>
+          </a:stretch>
+        </p:blipFill>
+        <p:spPr bwMode="auto">
+          <a:xfrm>
+            <a:off x="6477000" y="685800"/>
+            <a:ext cx="2133600" cy="1693333"/>
+          </a:xfrm>
+          <a:prstGeom prst="rect">
+            <a:avLst/>
+          </a:prstGeom>
+          <a:noFill/>
+          <a:ln>
+            <a:noFill/>
+          </a:ln>
+          <a:extLst>
+            <a:ext uri="{909E8E84-426E-40DD-AFC4-6F175D3DCCD1}">
+              <a14:hiddenFill xmlns:a14="http://schemas.microsoft.com/office/drawing/2010/main">
+                <a:solidFill>
+                  <a:schemeClr val="accent1"/>
+                </a:solidFill>
+              </a14:hiddenFill>
+            </a:ext>
+            <a:ext uri="{91240B29-F687-4F45-9708-019B960494DF}">
+              <a14:hiddenLine xmlns:a14="http://schemas.microsoft.com/office/drawing/2010/main" w="9525">
+                <a:solidFill>
+                  <a:schemeClr val="tx1"/>
+                </a:solidFill>
+                <a:miter lim="800000"/>
+                <a:headEnd/>
+                <a:tailEnd/>
+              </a14:hiddenLine>
+            </a:ext>
+          </a:extLst>
+        </p:spPr>
+      </p:pic>
+    </p:spTree>
+    <p:extLst>
+      <p:ext uri="{BB962C8B-B14F-4D97-AF65-F5344CB8AC3E}">
+        <p14:creationId xmlns:p14="http://schemas.microsoft.com/office/powerpoint/2010/main" val="3950364409"/>
+      </p:ext>
+    </p:extLst>
+  </p:cSld>
+  <p:clrMapOvr>
+    <a:masterClrMapping/>
+  </p:clrMapOvr>
+</p:sld>
+</file>
+
+<file path=ppt/slides/slide35.xml><?xml version="1.0" encoding="utf-8"?>
+<p:sld xmlns:a="http://schemas.openxmlformats.org/drawingml/2006/main" xmlns:r="http://schemas.openxmlformats.org/officeDocument/2006/relationships" xmlns:p="http://schemas.openxmlformats.org/presentationml/2006/main">
+  <p:cSld>
+    <p:spTree>
+      <p:nvGrpSpPr>
+        <p:cNvPr id="1" name=""/>
+        <p:cNvGrpSpPr/>
+        <p:nvPr/>
+      </p:nvGrpSpPr>
+      <p:grpSpPr>
+        <a:xfrm>
+          <a:off x="0" y="0"/>
+          <a:ext cx="0" cy="0"/>
+          <a:chOff x="0" y="0"/>
+          <a:chExt cx="0" cy="0"/>
+        </a:xfrm>
+      </p:grpSpPr>
+      <p:sp>
+        <p:nvSpPr>
+          <p:cNvPr id="2" name="Title 1"/>
+          <p:cNvSpPr>
+            <a:spLocks noGrp="1"/>
+          </p:cNvSpPr>
+          <p:nvPr>
+            <p:ph type="title"/>
+          </p:nvPr>
+        </p:nvSpPr>
+        <p:spPr/>
+        <p:txBody>
+          <a:bodyPr/>
+          <a:lstStyle/>
+          <a:p>
+            <a:r>
+              <a:rPr lang="en-US" dirty="0" smtClean="0"/>
+              <a:t>Ideas for improvement </a:t>
+            </a:r>
+            <a:endParaRPr lang="en-US" dirty="0"/>
+          </a:p>
+        </p:txBody>
+      </p:sp>
+      <p:sp>
+        <p:nvSpPr>
+          <p:cNvPr id="3" name="Content Placeholder 2"/>
+          <p:cNvSpPr>
+            <a:spLocks noGrp="1"/>
+          </p:cNvSpPr>
+          <p:nvPr>
+            <p:ph idx="1"/>
+          </p:nvPr>
+        </p:nvSpPr>
+        <p:spPr/>
+        <p:txBody>
+          <a:bodyPr/>
+          <a:lstStyle/>
+          <a:p>
+            <a:r>
+              <a:rPr lang="en-US" dirty="0" smtClean="0"/>
+              <a:t>Analyze more on data</a:t>
+            </a:r>
+          </a:p>
+          <a:p>
+            <a:r>
+              <a:rPr lang="en-US" dirty="0" smtClean="0"/>
+              <a:t>Feature engineering </a:t>
+            </a:r>
+          </a:p>
+          <a:p>
+            <a:r>
+              <a:rPr lang="en-US" dirty="0" err="1" smtClean="0"/>
+              <a:t>Hyperparameter</a:t>
+            </a:r>
+            <a:r>
+              <a:rPr lang="en-US" dirty="0" smtClean="0"/>
+              <a:t> tuning for </a:t>
+            </a:r>
+            <a:r>
+              <a:rPr lang="en-US" dirty="0" err="1" smtClean="0"/>
+              <a:t>xgboost</a:t>
+            </a:r>
+            <a:r>
+              <a:rPr lang="en-US" dirty="0" smtClean="0"/>
+              <a:t> model</a:t>
+            </a:r>
+          </a:p>
+          <a:p>
+            <a:r>
+              <a:rPr lang="en-US" dirty="0" smtClean="0"/>
+              <a:t>Try different periods of training data</a:t>
+            </a:r>
+          </a:p>
+          <a:p>
+            <a:r>
+              <a:rPr lang="en-US" dirty="0" smtClean="0"/>
+              <a:t>Recommendation engine</a:t>
+            </a:r>
+          </a:p>
+          <a:p>
+            <a:r>
+              <a:rPr lang="en-US" dirty="0" smtClean="0"/>
+              <a:t>Predicting more products</a:t>
+            </a:r>
+          </a:p>
+          <a:p>
+            <a:r>
+              <a:rPr lang="en-US" dirty="0"/>
+              <a:t>Try </a:t>
+            </a:r>
+            <a:r>
+              <a:rPr lang="en-US" dirty="0" smtClean="0"/>
+              <a:t>different algorithms</a:t>
+            </a:r>
+          </a:p>
+          <a:p>
+            <a:r>
+              <a:rPr lang="en-US" dirty="0"/>
+              <a:t>Try </a:t>
+            </a:r>
+            <a:r>
+              <a:rPr lang="en-US" dirty="0" smtClean="0"/>
+              <a:t>penalized models</a:t>
+            </a:r>
+            <a:endParaRPr lang="en-US" dirty="0"/>
+          </a:p>
+          <a:p>
+            <a:endParaRPr lang="en-US" dirty="0"/>
+          </a:p>
+        </p:txBody>
+      </p:sp>
+      <p:grpSp>
+        <p:nvGrpSpPr>
+          <p:cNvPr id="6" name="Group 5"/>
+          <p:cNvGrpSpPr/>
+          <p:nvPr/>
+        </p:nvGrpSpPr>
+        <p:grpSpPr>
+          <a:xfrm>
+            <a:off x="5004032" y="3962400"/>
+            <a:ext cx="4139968" cy="2100262"/>
+            <a:chOff x="5004032" y="3962400"/>
+            <a:chExt cx="4139968" cy="2100262"/>
+          </a:xfrm>
+        </p:grpSpPr>
+        <p:pic>
+          <p:nvPicPr>
+            <p:cNvPr id="1027" name="Picture 3"/>
+            <p:cNvPicPr>
+              <a:picLocks noChangeAspect="1" noChangeArrowheads="1"/>
+            </p:cNvPicPr>
+            <p:nvPr/>
+          </p:nvPicPr>
+          <p:blipFill>
+            <a:blip r:embed="rId2">
+              <a:extLst>
+                <a:ext uri="{28A0092B-C50C-407E-A947-70E740481C1C}">
+                  <a14:useLocalDpi xmlns:a14="http://schemas.microsoft.com/office/drawing/2010/main" val="0"/>
+                </a:ext>
+              </a:extLst>
+            </a:blip>
+            <a:srcRect/>
+            <a:stretch>
+              <a:fillRect/>
+            </a:stretch>
+          </p:blipFill>
+          <p:spPr bwMode="auto">
+            <a:xfrm>
+              <a:off x="5004032" y="4191000"/>
+              <a:ext cx="4139968" cy="1871662"/>
+            </a:xfrm>
+            <a:prstGeom prst="rect">
+              <a:avLst/>
+            </a:prstGeom>
+            <a:noFill/>
+            <a:ln>
+              <a:noFill/>
+            </a:ln>
+            <a:extLst>
+              <a:ext uri="{909E8E84-426E-40DD-AFC4-6F175D3DCCD1}">
+                <a14:hiddenFill xmlns:a14="http://schemas.microsoft.com/office/drawing/2010/main">
+                  <a:solidFill>
+                    <a:schemeClr val="accent1"/>
+                  </a:solidFill>
+                </a14:hiddenFill>
+              </a:ext>
+              <a:ext uri="{91240B29-F687-4F45-9708-019B960494DF}">
+                <a14:hiddenLine xmlns:a14="http://schemas.microsoft.com/office/drawing/2010/main" w="9525">
+                  <a:solidFill>
+                    <a:schemeClr val="tx1"/>
+                  </a:solidFill>
+                  <a:miter lim="800000"/>
+                  <a:headEnd/>
+                  <a:tailEnd/>
+                </a14:hiddenLine>
+              </a:ext>
+            </a:extLst>
+          </p:spPr>
+        </p:pic>
+        <p:sp>
+          <p:nvSpPr>
+            <p:cNvPr id="5" name="Rectangle 4"/>
+            <p:cNvSpPr/>
+            <p:nvPr/>
+          </p:nvSpPr>
+          <p:spPr>
+            <a:xfrm>
+              <a:off x="7543800" y="3962400"/>
+              <a:ext cx="1600200" cy="1066800"/>
+            </a:xfrm>
+            <a:prstGeom prst="rect">
+              <a:avLst/>
+            </a:prstGeom>
+            <a:solidFill>
+              <a:schemeClr val="bg1"/>
+            </a:solidFill>
+            <a:ln>
+              <a:solidFill>
+                <a:schemeClr val="bg1"/>
+              </a:solidFill>
+            </a:ln>
+          </p:spPr>
+          <p:style>
+            <a:lnRef idx="2">
+              <a:schemeClr val="accent1">
+                <a:shade val="50000"/>
+              </a:schemeClr>
+            </a:lnRef>
+            <a:fillRef idx="1">
+              <a:schemeClr val="accent1"/>
+            </a:fillRef>
+            <a:effectRef idx="0">
+              <a:schemeClr val="accent1"/>
+            </a:effectRef>
+            <a:fontRef idx="minor">
+              <a:schemeClr val="lt1"/>
+            </a:fontRef>
+          </p:style>
+          <p:txBody>
+            <a:bodyPr rtlCol="0" anchor="ctr"/>
+            <a:lstStyle/>
+            <a:p>
+              <a:pPr algn="ctr"/>
+              <a:endParaRPr lang="en-US"/>
+            </a:p>
+          </p:txBody>
+        </p:sp>
+      </p:grpSp>
+    </p:spTree>
+    <p:extLst>
+      <p:ext uri="{BB962C8B-B14F-4D97-AF65-F5344CB8AC3E}">
+        <p14:creationId xmlns:p14="http://schemas.microsoft.com/office/powerpoint/2010/main" val="882591910"/>
+      </p:ext>
+    </p:extLst>
+  </p:cSld>
+  <p:clrMapOvr>
+    <a:masterClrMapping/>
+  </p:clrMapOvr>
+</p:sld>
+</file>
+
+<file path=ppt/slides/slide36.xml><?xml version="1.0" encoding="utf-8"?>
 <p:sld xmlns:a="http://schemas.openxmlformats.org/drawingml/2006/main" xmlns:r="http://schemas.openxmlformats.org/officeDocument/2006/relationships" xmlns:p="http://schemas.openxmlformats.org/presentationml/2006/main">
   <p:cSld>
     <p:spTree>
@@ -8641,65 +9705,6 @@
           </a:p>
         </p:txBody>
       </p:sp>
-      <p:sp>
-        <p:nvSpPr>
-          <p:cNvPr id="3" name="Subtitle 2"/>
-          <p:cNvSpPr>
-            <a:spLocks noGrp="1"/>
-          </p:cNvSpPr>
-          <p:nvPr>
-            <p:ph type="subTitle" idx="1"/>
-          </p:nvPr>
-        </p:nvSpPr>
-        <p:spPr/>
-        <p:txBody>
-          <a:bodyPr>
-            <a:noAutofit/>
-          </a:bodyPr>
-          <a:lstStyle/>
-          <a:p>
-            <a:r>
-              <a:rPr lang="en-US" dirty="0" err="1"/>
-              <a:t>Ikechukwu</a:t>
-            </a:r>
-            <a:r>
-              <a:rPr lang="en-US" dirty="0"/>
-              <a:t> </a:t>
-            </a:r>
-            <a:r>
-              <a:rPr lang="en-US" dirty="0" smtClean="0"/>
-              <a:t>Okonkwo</a:t>
-            </a:r>
-          </a:p>
-          <a:p>
-            <a:r>
-              <a:rPr lang="en-US" dirty="0" err="1"/>
-              <a:t>scikit</a:t>
-            </a:r>
-            <a:r>
-              <a:rPr lang="en-US" dirty="0"/>
-              <a:t>-learn </a:t>
-            </a:r>
-            <a:r>
-              <a:rPr lang="en-US" dirty="0" smtClean="0"/>
-              <a:t>developers</a:t>
-            </a:r>
-          </a:p>
-          <a:p>
-            <a:r>
-              <a:rPr lang="en-US" dirty="0" smtClean="0"/>
-              <a:t>Anaconda</a:t>
-            </a:r>
-          </a:p>
-          <a:p>
-            <a:r>
-              <a:rPr lang="en-US" dirty="0" smtClean="0"/>
-              <a:t>Springboard</a:t>
-            </a:r>
-            <a:endParaRPr lang="en-US" dirty="0"/>
-          </a:p>
-        </p:txBody>
-      </p:sp>
       <p:pic>
         <p:nvPicPr>
           <p:cNvPr id="4" name="Picture 3"/>
@@ -8722,7 +9727,7 @@
         </p:blipFill>
         <p:spPr>
           <a:xfrm>
-            <a:off x="4800600" y="3733800"/>
+            <a:off x="5562600" y="3909060"/>
             <a:ext cx="3048000" cy="2034540"/>
           </a:xfrm>
           <a:prstGeom prst="rect">
@@ -8730,6 +9735,72 @@
           </a:prstGeom>
         </p:spPr>
       </p:pic>
+      <p:sp>
+        <p:nvSpPr>
+          <p:cNvPr id="3" name="Subtitle 2"/>
+          <p:cNvSpPr>
+            <a:spLocks noGrp="1"/>
+          </p:cNvSpPr>
+          <p:nvPr>
+            <p:ph type="subTitle" idx="1"/>
+          </p:nvPr>
+        </p:nvSpPr>
+        <p:spPr/>
+        <p:txBody>
+          <a:bodyPr>
+            <a:noAutofit/>
+          </a:bodyPr>
+          <a:lstStyle/>
+          <a:p>
+            <a:r>
+              <a:rPr lang="en-US" dirty="0" err="1"/>
+              <a:t>Ikechukwu</a:t>
+            </a:r>
+            <a:r>
+              <a:rPr lang="en-US" dirty="0"/>
+              <a:t> </a:t>
+            </a:r>
+            <a:r>
+              <a:rPr lang="en-US" dirty="0" smtClean="0"/>
+              <a:t>Okonkwo</a:t>
+            </a:r>
+          </a:p>
+          <a:p>
+            <a:r>
+              <a:rPr lang="en-US" dirty="0" err="1"/>
+              <a:t>XGBoost</a:t>
+            </a:r>
+            <a:r>
+              <a:rPr lang="en-US" dirty="0"/>
+              <a:t> developers and contributors</a:t>
+            </a:r>
+            <a:endParaRPr lang="en-US" dirty="0" smtClean="0"/>
+          </a:p>
+          <a:p>
+            <a:r>
+              <a:rPr lang="en-US" dirty="0" err="1" smtClean="0"/>
+              <a:t>scikit</a:t>
+            </a:r>
+            <a:r>
+              <a:rPr lang="en-US" dirty="0" smtClean="0"/>
+              <a:t>-learn developers</a:t>
+            </a:r>
+          </a:p>
+          <a:p>
+            <a:r>
+              <a:rPr lang="en-US" dirty="0" smtClean="0"/>
+              <a:t>Anaconda</a:t>
+            </a:r>
+          </a:p>
+          <a:p>
+            <a:r>
+              <a:rPr lang="en-US" dirty="0" smtClean="0"/>
+              <a:t>Springboard</a:t>
+            </a:r>
+            <a:endParaRPr lang="en-US" dirty="0"/>
+          </a:p>
+        </p:txBody>
+      </p:sp>
     </p:spTree>
     <p:extLst>
       <p:ext uri="{BB962C8B-B14F-4D97-AF65-F5344CB8AC3E}">
@@ -8786,7 +9857,406 @@
           <a:p>
             <a:r>
               <a:rPr lang="en-US" dirty="0" smtClean="0"/>
-              <a:t>Data Exploratory Analyses</a:t>
+              <a:t>24 products</a:t>
+            </a:r>
+            <a:endParaRPr lang="en-US" dirty="0"/>
+          </a:p>
+        </p:txBody>
+      </p:sp>
+      <p:pic>
+        <p:nvPicPr>
+          <p:cNvPr id="4099" name="Picture 3"/>
+          <p:cNvPicPr>
+            <a:picLocks noChangeAspect="1" noChangeArrowheads="1"/>
+          </p:cNvPicPr>
+          <p:nvPr/>
+        </p:nvPicPr>
+        <p:blipFill>
+          <a:blip r:embed="rId2">
+            <a:extLst>
+              <a:ext uri="{28A0092B-C50C-407E-A947-70E740481C1C}">
+                <a14:useLocalDpi xmlns:a14="http://schemas.microsoft.com/office/drawing/2010/main" val="0"/>
+              </a:ext>
+            </a:extLst>
+          </a:blip>
+          <a:srcRect/>
+          <a:stretch>
+            <a:fillRect/>
+          </a:stretch>
+        </p:blipFill>
+        <p:spPr bwMode="auto">
+          <a:xfrm>
+            <a:off x="762000" y="1671638"/>
+            <a:ext cx="6830946" cy="4652962"/>
+          </a:xfrm>
+          <a:prstGeom prst="rect">
+            <a:avLst/>
+          </a:prstGeom>
+          <a:noFill/>
+          <a:ln>
+            <a:noFill/>
+          </a:ln>
+          <a:effectLst/>
+          <a:extLst>
+            <a:ext uri="{909E8E84-426E-40DD-AFC4-6F175D3DCCD1}">
+              <a14:hiddenFill xmlns:a14="http://schemas.microsoft.com/office/drawing/2010/main">
+                <a:solidFill>
+                  <a:schemeClr val="accent1"/>
+                </a:solidFill>
+              </a14:hiddenFill>
+            </a:ext>
+            <a:ext uri="{91240B29-F687-4F45-9708-019B960494DF}">
+              <a14:hiddenLine xmlns:a14="http://schemas.microsoft.com/office/drawing/2010/main" w="9525">
+                <a:solidFill>
+                  <a:schemeClr val="tx1"/>
+                </a:solidFill>
+                <a:miter lim="800000"/>
+                <a:headEnd/>
+                <a:tailEnd/>
+              </a14:hiddenLine>
+            </a:ext>
+            <a:ext uri="{AF507438-7753-43E0-B8FC-AC1667EBCBE1}">
+              <a14:hiddenEffects xmlns:a14="http://schemas.microsoft.com/office/drawing/2010/main">
+                <a:effectLst>
+                  <a:outerShdw dist="35921" dir="2700000" algn="ctr" rotWithShape="0">
+                    <a:schemeClr val="bg2"/>
+                  </a:outerShdw>
+                </a:effectLst>
+              </a14:hiddenEffects>
+            </a:ext>
+          </a:extLst>
+        </p:spPr>
+      </p:pic>
+    </p:spTree>
+    <p:extLst>
+      <p:ext uri="{BB962C8B-B14F-4D97-AF65-F5344CB8AC3E}">
+        <p14:creationId xmlns:p14="http://schemas.microsoft.com/office/powerpoint/2010/main" val="709855315"/>
+      </p:ext>
+    </p:extLst>
+  </p:cSld>
+  <p:clrMapOvr>
+    <a:masterClrMapping/>
+  </p:clrMapOvr>
+  <p:timing>
+    <p:tnLst>
+      <p:par>
+        <p:cTn id="1" dur="indefinite" restart="never" nodeType="tmRoot"/>
+      </p:par>
+    </p:tnLst>
+  </p:timing>
+</p:sld>
+</file>
+
+<file path=ppt/slides/slide5.xml><?xml version="1.0" encoding="utf-8"?>
+<p:sld xmlns:a="http://schemas.openxmlformats.org/drawingml/2006/main" xmlns:r="http://schemas.openxmlformats.org/officeDocument/2006/relationships" xmlns:p="http://schemas.openxmlformats.org/presentationml/2006/main">
+  <p:cSld>
+    <p:spTree>
+      <p:nvGrpSpPr>
+        <p:cNvPr id="1" name=""/>
+        <p:cNvGrpSpPr/>
+        <p:nvPr/>
+      </p:nvGrpSpPr>
+      <p:grpSpPr>
+        <a:xfrm>
+          <a:off x="0" y="0"/>
+          <a:ext cx="0" cy="0"/>
+          <a:chOff x="0" y="0"/>
+          <a:chExt cx="0" cy="0"/>
+        </a:xfrm>
+      </p:grpSpPr>
+      <p:grpSp>
+        <p:nvGrpSpPr>
+          <p:cNvPr id="4" name="Group 3"/>
+          <p:cNvGrpSpPr/>
+          <p:nvPr/>
+        </p:nvGrpSpPr>
+        <p:grpSpPr>
+          <a:xfrm>
+            <a:off x="5943600" y="1219200"/>
+            <a:ext cx="3124200" cy="1616964"/>
+            <a:chOff x="4495800" y="4436364"/>
+            <a:chExt cx="3362325" cy="1905000"/>
+          </a:xfrm>
+        </p:grpSpPr>
+        <p:pic>
+          <p:nvPicPr>
+            <p:cNvPr id="5123" name="Picture 3"/>
+            <p:cNvPicPr>
+              <a:picLocks noChangeAspect="1" noChangeArrowheads="1"/>
+            </p:cNvPicPr>
+            <p:nvPr/>
+          </p:nvPicPr>
+          <p:blipFill>
+            <a:blip r:embed="rId2">
+              <a:extLst>
+                <a:ext uri="{28A0092B-C50C-407E-A947-70E740481C1C}">
+                  <a14:useLocalDpi xmlns:a14="http://schemas.microsoft.com/office/drawing/2010/main" val="0"/>
+                </a:ext>
+              </a:extLst>
+            </a:blip>
+            <a:srcRect/>
+            <a:stretch>
+              <a:fillRect/>
+            </a:stretch>
+          </p:blipFill>
+          <p:spPr bwMode="auto">
+            <a:xfrm>
+              <a:off x="4495800" y="4436364"/>
+              <a:ext cx="3362325" cy="1905000"/>
+            </a:xfrm>
+            <a:prstGeom prst="rect">
+              <a:avLst/>
+            </a:prstGeom>
+            <a:noFill/>
+            <a:ln>
+              <a:noFill/>
+            </a:ln>
+            <a:extLst>
+              <a:ext uri="{909E8E84-426E-40DD-AFC4-6F175D3DCCD1}">
+                <a14:hiddenFill xmlns:a14="http://schemas.microsoft.com/office/drawing/2010/main">
+                  <a:solidFill>
+                    <a:schemeClr val="accent1"/>
+                  </a:solidFill>
+                </a14:hiddenFill>
+              </a:ext>
+              <a:ext uri="{91240B29-F687-4F45-9708-019B960494DF}">
+                <a14:hiddenLine xmlns:a14="http://schemas.microsoft.com/office/drawing/2010/main" w="9525">
+                  <a:solidFill>
+                    <a:schemeClr val="tx1"/>
+                  </a:solidFill>
+                  <a:miter lim="800000"/>
+                  <a:headEnd/>
+                  <a:tailEnd/>
+                </a14:hiddenLine>
+              </a:ext>
+            </a:extLst>
+          </p:spPr>
+        </p:pic>
+        <p:sp>
+          <p:nvSpPr>
+            <p:cNvPr id="3" name="Rectangle 2"/>
+            <p:cNvSpPr/>
+            <p:nvPr/>
+          </p:nvSpPr>
+          <p:spPr>
+            <a:xfrm>
+              <a:off x="4800600" y="5943600"/>
+              <a:ext cx="2743200" cy="397764"/>
+            </a:xfrm>
+            <a:prstGeom prst="rect">
+              <a:avLst/>
+            </a:prstGeom>
+            <a:solidFill>
+              <a:schemeClr val="bg1"/>
+            </a:solidFill>
+            <a:ln>
+              <a:solidFill>
+                <a:schemeClr val="bg1"/>
+              </a:solidFill>
+            </a:ln>
+          </p:spPr>
+          <p:style>
+            <a:lnRef idx="2">
+              <a:schemeClr val="accent1">
+                <a:shade val="50000"/>
+              </a:schemeClr>
+            </a:lnRef>
+            <a:fillRef idx="1">
+              <a:schemeClr val="accent1"/>
+            </a:fillRef>
+            <a:effectRef idx="0">
+              <a:schemeClr val="accent1"/>
+            </a:effectRef>
+            <a:fontRef idx="minor">
+              <a:schemeClr val="lt1"/>
+            </a:fontRef>
+          </p:style>
+          <p:txBody>
+            <a:bodyPr rtlCol="0" anchor="ctr"/>
+            <a:lstStyle/>
+            <a:p>
+              <a:pPr algn="ctr"/>
+              <a:endParaRPr lang="en-US"/>
+            </a:p>
+          </p:txBody>
+        </p:sp>
+      </p:grpSp>
+      <p:sp>
+        <p:nvSpPr>
+          <p:cNvPr id="8" name="Title 7"/>
+          <p:cNvSpPr>
+            <a:spLocks noGrp="1"/>
+          </p:cNvSpPr>
+          <p:nvPr>
+            <p:ph type="title"/>
+          </p:nvPr>
+        </p:nvSpPr>
+        <p:spPr>
+          <a:xfrm>
+            <a:off x="457200" y="609600"/>
+            <a:ext cx="8229600" cy="990600"/>
+          </a:xfrm>
+        </p:spPr>
+        <p:txBody>
+          <a:bodyPr>
+            <a:noAutofit/>
+          </a:bodyPr>
+          <a:lstStyle/>
+          <a:p>
+            <a:r>
+              <a:rPr lang="en-US" dirty="0" smtClean="0"/>
+              <a:t>Goal of project: prediction of current account holder</a:t>
+            </a:r>
+          </a:p>
+        </p:txBody>
+      </p:sp>
+      <p:sp>
+        <p:nvSpPr>
+          <p:cNvPr id="2" name="Content Placeholder 1"/>
+          <p:cNvSpPr>
+            <a:spLocks noGrp="1"/>
+          </p:cNvSpPr>
+          <p:nvPr>
+            <p:ph idx="1"/>
+          </p:nvPr>
+        </p:nvSpPr>
+        <p:spPr/>
+        <p:txBody>
+          <a:bodyPr>
+            <a:normAutofit lnSpcReduction="10000"/>
+          </a:bodyPr>
+          <a:lstStyle/>
+          <a:p>
+            <a:endParaRPr lang="en-US" dirty="0" smtClean="0"/>
+          </a:p>
+          <a:p>
+            <a:endParaRPr lang="en-US" dirty="0" smtClean="0"/>
+          </a:p>
+          <a:p>
+            <a:r>
+              <a:rPr lang="en-US" dirty="0" smtClean="0"/>
+              <a:t>The </a:t>
+            </a:r>
+            <a:r>
+              <a:rPr lang="en-US" dirty="0" err="1" smtClean="0"/>
+              <a:t>kaggle</a:t>
+            </a:r>
+            <a:r>
+              <a:rPr lang="en-US" dirty="0" smtClean="0"/>
+              <a:t> challenge: to predict </a:t>
+            </a:r>
+            <a:r>
+              <a:rPr lang="en-US" dirty="0"/>
+              <a:t>what products Santander’ customers will purchase in the next month based on past </a:t>
+            </a:r>
+            <a:r>
+              <a:rPr lang="en-US" dirty="0" smtClean="0"/>
+              <a:t>data</a:t>
+            </a:r>
+          </a:p>
+          <a:p>
+            <a:r>
+              <a:rPr lang="en-US" dirty="0" smtClean="0"/>
+              <a:t>23 out of 24 products are highly imbalanced datasets</a:t>
+            </a:r>
+          </a:p>
+          <a:p>
+            <a:r>
+              <a:rPr lang="en-US" dirty="0" smtClean="0"/>
+              <a:t>To simplify the modeling problem, we built the prediction model on one product </a:t>
+            </a:r>
+          </a:p>
+          <a:p>
+            <a:r>
+              <a:rPr lang="en-US" dirty="0" smtClean="0"/>
+              <a:t>Select the product “current account” which has </a:t>
+            </a:r>
+            <a:r>
+              <a:rPr lang="en-US" dirty="0"/>
+              <a:t>the most </a:t>
+            </a:r>
+            <a:r>
+              <a:rPr lang="en-US" dirty="0" smtClean="0"/>
+              <a:t>coverage</a:t>
+            </a:r>
+          </a:p>
+          <a:p>
+            <a:r>
+              <a:rPr lang="en-US" dirty="0" smtClean="0"/>
+              <a:t>Make </a:t>
+            </a:r>
+            <a:r>
+              <a:rPr lang="en-US" dirty="0"/>
+              <a:t>prediction on if a customer hold the account with bank or </a:t>
+            </a:r>
+            <a:r>
+              <a:rPr lang="en-US" dirty="0" smtClean="0"/>
+              <a:t>not based on customer’s info</a:t>
+            </a:r>
+            <a:endParaRPr lang="en-US" dirty="0"/>
+          </a:p>
+          <a:p>
+            <a:endParaRPr lang="en-US" dirty="0"/>
+          </a:p>
+        </p:txBody>
+      </p:sp>
+    </p:spTree>
+    <p:extLst>
+      <p:ext uri="{BB962C8B-B14F-4D97-AF65-F5344CB8AC3E}">
+        <p14:creationId xmlns:p14="http://schemas.microsoft.com/office/powerpoint/2010/main" val="420847040"/>
+      </p:ext>
+    </p:extLst>
+  </p:cSld>
+  <p:clrMapOvr>
+    <a:masterClrMapping/>
+  </p:clrMapOvr>
+  <p:timing>
+    <p:tnLst>
+      <p:par>
+        <p:cTn id="1" dur="indefinite" restart="never" nodeType="tmRoot"/>
+      </p:par>
+    </p:tnLst>
+  </p:timing>
+</p:sld>
+</file>
+
+<file path=ppt/slides/slide6.xml><?xml version="1.0" encoding="utf-8"?>
+<p:sld xmlns:a="http://schemas.openxmlformats.org/drawingml/2006/main" xmlns:r="http://schemas.openxmlformats.org/officeDocument/2006/relationships" xmlns:p="http://schemas.openxmlformats.org/presentationml/2006/main">
+  <p:cSld>
+    <p:spTree>
+      <p:nvGrpSpPr>
+        <p:cNvPr id="1" name=""/>
+        <p:cNvGrpSpPr/>
+        <p:nvPr/>
+      </p:nvGrpSpPr>
+      <p:grpSpPr>
+        <a:xfrm>
+          <a:off x="0" y="0"/>
+          <a:ext cx="0" cy="0"/>
+          <a:chOff x="0" y="0"/>
+          <a:chExt cx="0" cy="0"/>
+        </a:xfrm>
+      </p:grpSpPr>
+      <p:sp>
+        <p:nvSpPr>
+          <p:cNvPr id="2" name="Title 1"/>
+          <p:cNvSpPr>
+            <a:spLocks noGrp="1"/>
+          </p:cNvSpPr>
+          <p:nvPr>
+            <p:ph type="title"/>
+          </p:nvPr>
+        </p:nvSpPr>
+        <p:spPr/>
+        <p:txBody>
+          <a:bodyPr>
+            <a:normAutofit/>
+          </a:bodyPr>
+          <a:lstStyle/>
+          <a:p>
+            <a:r>
+              <a:rPr lang="en-US" dirty="0" smtClean="0"/>
+              <a:t>Data exploratory analyses</a:t>
             </a:r>
             <a:endParaRPr lang="en-US" dirty="0"/>
           </a:p>
@@ -8882,7 +10352,7 @@
 </p:sld>
 </file>
 
-<file path=ppt/slides/slide5.xml><?xml version="1.0" encoding="utf-8"?>
+<file path=ppt/slides/slide7.xml><?xml version="1.0" encoding="utf-8"?>
 <p:sld xmlns:a="http://schemas.openxmlformats.org/drawingml/2006/main" xmlns:r="http://schemas.openxmlformats.org/officeDocument/2006/relationships" xmlns:p="http://schemas.openxmlformats.org/presentationml/2006/main">
   <p:cSld>
     <p:spTree>
@@ -11437,7 +12907,7 @@
 </p:sld>
 </file>
 
-<file path=ppt/slides/slide6.xml><?xml version="1.0" encoding="utf-8"?>
+<file path=ppt/slides/slide8.xml><?xml version="1.0" encoding="utf-8"?>
 <p:sld xmlns:a="http://schemas.openxmlformats.org/drawingml/2006/main" xmlns:r="http://schemas.openxmlformats.org/officeDocument/2006/relationships" xmlns:p="http://schemas.openxmlformats.org/presentationml/2006/main">
   <p:cSld>
     <p:spTree>
@@ -12447,7 +13917,7 @@
 </p:sld>
 </file>
 
-<file path=ppt/slides/slide7.xml><?xml version="1.0" encoding="utf-8"?>
+<file path=ppt/slides/slide9.xml><?xml version="1.0" encoding="utf-8"?>
 <p:sld xmlns:a="http://schemas.openxmlformats.org/drawingml/2006/main" xmlns:r="http://schemas.openxmlformats.org/officeDocument/2006/relationships" xmlns:p="http://schemas.openxmlformats.org/presentationml/2006/main">
   <p:cSld>
     <p:spTree>
@@ -12476,28 +13946,28 @@
         </p:nvSpPr>
         <p:spPr>
           <a:xfrm>
-            <a:off x="457200" y="381000"/>
+            <a:off x="457200" y="533400"/>
             <a:ext cx="8229600" cy="1143000"/>
           </a:xfrm>
         </p:spPr>
         <p:txBody>
           <a:bodyPr>
-            <a:normAutofit/>
+            <a:noAutofit/>
           </a:bodyPr>
           <a:lstStyle/>
           <a:p>
             <a:r>
-              <a:rPr lang="en-US" sz="2800" dirty="0" smtClean="0"/>
-              <a:t>Age Distribution: </a:t>
-            </a:r>
-            <a:r>
-              <a:rPr lang="en-US" sz="2800" dirty="0"/>
+              <a:rPr lang="en-US" dirty="0" smtClean="0"/>
+              <a:t>Age distribution: </a:t>
+            </a:r>
+            <a:r>
+              <a:rPr lang="en-US" dirty="0"/>
               <a:t>bimodal </a:t>
             </a:r>
             <a:br>
-              <a:rPr lang="en-US" sz="2800" dirty="0"/>
+              <a:rPr lang="en-US" dirty="0"/>
             </a:br>
-            <a:endParaRPr lang="en-US" sz="2400" dirty="0"/>
+            <a:endParaRPr lang="en-US" dirty="0"/>
           </a:p>
         </p:txBody>
       </p:sp>
@@ -12574,491 +14044,6 @@
     <p:extLst>
       <p:ext uri="{BB962C8B-B14F-4D97-AF65-F5344CB8AC3E}">
         <p14:creationId xmlns:p14="http://schemas.microsoft.com/office/powerpoint/2010/main" val="4033763251"/>
-      </p:ext>
-    </p:extLst>
-  </p:cSld>
-  <p:clrMapOvr>
-    <a:masterClrMapping/>
-  </p:clrMapOvr>
-  <p:timing>
-    <p:tnLst>
-      <p:par>
-        <p:cTn id="1" dur="indefinite" restart="never" nodeType="tmRoot"/>
-      </p:par>
-    </p:tnLst>
-  </p:timing>
-</p:sld>
-</file>
-
-<file path=ppt/slides/slide8.xml><?xml version="1.0" encoding="utf-8"?>
-<p:sld xmlns:a="http://schemas.openxmlformats.org/drawingml/2006/main" xmlns:r="http://schemas.openxmlformats.org/officeDocument/2006/relationships" xmlns:p="http://schemas.openxmlformats.org/presentationml/2006/main">
-  <p:cSld>
-    <p:spTree>
-      <p:nvGrpSpPr>
-        <p:cNvPr id="1" name=""/>
-        <p:cNvGrpSpPr/>
-        <p:nvPr/>
-      </p:nvGrpSpPr>
-      <p:grpSpPr>
-        <a:xfrm>
-          <a:off x="0" y="0"/>
-          <a:ext cx="0" cy="0"/>
-          <a:chOff x="0" y="0"/>
-          <a:chExt cx="0" cy="0"/>
-        </a:xfrm>
-      </p:grpSpPr>
-      <p:sp>
-        <p:nvSpPr>
-          <p:cNvPr id="2" name="Title 1"/>
-          <p:cNvSpPr>
-            <a:spLocks noGrp="1"/>
-          </p:cNvSpPr>
-          <p:nvPr>
-            <p:ph type="title"/>
-          </p:nvPr>
-        </p:nvSpPr>
-        <p:spPr/>
-        <p:txBody>
-          <a:bodyPr>
-            <a:normAutofit fontScale="90000"/>
-          </a:bodyPr>
-          <a:lstStyle/>
-          <a:p>
-            <a:r>
-              <a:rPr lang="en-US" dirty="0" smtClean="0"/>
-              <a:t>Total counts for current and gross income accounts</a:t>
-            </a:r>
-            <a:endParaRPr lang="en-US" dirty="0"/>
-          </a:p>
-        </p:txBody>
-      </p:sp>
-      <p:grpSp>
-        <p:nvGrpSpPr>
-          <p:cNvPr id="3" name="Group 2"/>
-          <p:cNvGrpSpPr/>
-          <p:nvPr/>
-        </p:nvGrpSpPr>
-        <p:grpSpPr>
-          <a:xfrm>
-            <a:off x="0" y="1523999"/>
-            <a:ext cx="9067800" cy="5334001"/>
-            <a:chOff x="0" y="1523999"/>
-            <a:chExt cx="9067800" cy="5334001"/>
-          </a:xfrm>
-        </p:grpSpPr>
-        <p:pic>
-          <p:nvPicPr>
-            <p:cNvPr id="8194" name="Picture 2" descr="C:\Users\weichun\Documents\san\Total_counts_current_account.png"/>
-            <p:cNvPicPr>
-              <a:picLocks noChangeAspect="1" noChangeArrowheads="1"/>
-            </p:cNvPicPr>
-            <p:nvPr/>
-          </p:nvPicPr>
-          <p:blipFill>
-            <a:blip r:embed="rId2">
-              <a:extLst>
-                <a:ext uri="{28A0092B-C50C-407E-A947-70E740481C1C}">
-                  <a14:useLocalDpi xmlns:a14="http://schemas.microsoft.com/office/drawing/2010/main" val="0"/>
-                </a:ext>
-              </a:extLst>
-            </a:blip>
-            <a:srcRect/>
-            <a:stretch>
-              <a:fillRect/>
-            </a:stretch>
-          </p:blipFill>
-          <p:spPr bwMode="auto">
-            <a:xfrm>
-              <a:off x="0" y="1523999"/>
-              <a:ext cx="4572000" cy="5334001"/>
-            </a:xfrm>
-            <a:prstGeom prst="rect">
-              <a:avLst/>
-            </a:prstGeom>
-            <a:noFill/>
-            <a:extLst>
-              <a:ext uri="{909E8E84-426E-40DD-AFC4-6F175D3DCCD1}">
-                <a14:hiddenFill xmlns:a14="http://schemas.microsoft.com/office/drawing/2010/main">
-                  <a:solidFill>
-                    <a:srgbClr val="FFFFFF"/>
-                  </a:solidFill>
-                </a14:hiddenFill>
-              </a:ext>
-            </a:extLst>
-          </p:spPr>
-        </p:pic>
-        <p:pic>
-          <p:nvPicPr>
-            <p:cNvPr id="8196" name="Picture 4"/>
-            <p:cNvPicPr>
-              <a:picLocks noChangeAspect="1" noChangeArrowheads="1"/>
-            </p:cNvPicPr>
-            <p:nvPr/>
-          </p:nvPicPr>
-          <p:blipFill>
-            <a:blip r:embed="rId3">
-              <a:extLst>
-                <a:ext uri="{28A0092B-C50C-407E-A947-70E740481C1C}">
-                  <a14:useLocalDpi xmlns:a14="http://schemas.microsoft.com/office/drawing/2010/main" val="0"/>
-                </a:ext>
-              </a:extLst>
-            </a:blip>
-            <a:srcRect/>
-            <a:stretch>
-              <a:fillRect/>
-            </a:stretch>
-          </p:blipFill>
-          <p:spPr bwMode="auto">
-            <a:xfrm>
-              <a:off x="4495800" y="1524000"/>
-              <a:ext cx="4572000" cy="5334000"/>
-            </a:xfrm>
-            <a:prstGeom prst="rect">
-              <a:avLst/>
-            </a:prstGeom>
-            <a:noFill/>
-            <a:ln>
-              <a:noFill/>
-            </a:ln>
-            <a:effectLst/>
-            <a:extLst>
-              <a:ext uri="{909E8E84-426E-40DD-AFC4-6F175D3DCCD1}">
-                <a14:hiddenFill xmlns:a14="http://schemas.microsoft.com/office/drawing/2010/main">
-                  <a:solidFill>
-                    <a:schemeClr val="accent1"/>
-                  </a:solidFill>
-                </a14:hiddenFill>
-              </a:ext>
-              <a:ext uri="{91240B29-F687-4F45-9708-019B960494DF}">
-                <a14:hiddenLine xmlns:a14="http://schemas.microsoft.com/office/drawing/2010/main" w="9525">
-                  <a:solidFill>
-                    <a:schemeClr val="tx1"/>
-                  </a:solidFill>
-                  <a:miter lim="800000"/>
-                  <a:headEnd/>
-                  <a:tailEnd/>
-                </a14:hiddenLine>
-              </a:ext>
-              <a:ext uri="{AF507438-7753-43E0-B8FC-AC1667EBCBE1}">
-                <a14:hiddenEffects xmlns:a14="http://schemas.microsoft.com/office/drawing/2010/main">
-                  <a:effectLst>
-                    <a:outerShdw dist="35921" dir="2700000" algn="ctr" rotWithShape="0">
-                      <a:schemeClr val="bg2"/>
-                    </a:outerShdw>
-                  </a:effectLst>
-                </a14:hiddenEffects>
-              </a:ext>
-            </a:extLst>
-          </p:spPr>
-        </p:pic>
-      </p:grpSp>
-      <p:cxnSp>
-        <p:nvCxnSpPr>
-          <p:cNvPr id="7" name="Straight Arrow Connector 6"/>
-          <p:cNvCxnSpPr/>
-          <p:nvPr/>
-        </p:nvCxnSpPr>
-        <p:spPr>
-          <a:xfrm>
-            <a:off x="5486400" y="1697736"/>
-            <a:ext cx="925068" cy="838199"/>
-          </a:xfrm>
-          <a:prstGeom prst="straightConnector1">
-            <a:avLst/>
-          </a:prstGeom>
-          <a:ln w="57150">
-            <a:tailEnd type="arrow"/>
-          </a:ln>
-        </p:spPr>
-        <p:style>
-          <a:lnRef idx="1">
-            <a:schemeClr val="accent1"/>
-          </a:lnRef>
-          <a:fillRef idx="0">
-            <a:schemeClr val="accent1"/>
-          </a:fillRef>
-          <a:effectRef idx="0">
-            <a:schemeClr val="accent1"/>
-          </a:effectRef>
-          <a:fontRef idx="minor">
-            <a:schemeClr val="tx1"/>
-          </a:fontRef>
-        </p:style>
-      </p:cxnSp>
-      <p:sp>
-        <p:nvSpPr>
-          <p:cNvPr id="6" name="TextBox 5"/>
-          <p:cNvSpPr txBox="1"/>
-          <p:nvPr/>
-        </p:nvSpPr>
-        <p:spPr>
-          <a:xfrm>
-            <a:off x="5105400" y="1062335"/>
-            <a:ext cx="3581400" cy="646331"/>
-          </a:xfrm>
-          <a:prstGeom prst="rect">
-            <a:avLst/>
-          </a:prstGeom>
-          <a:noFill/>
-        </p:spPr>
-        <p:txBody>
-          <a:bodyPr wrap="square" rtlCol="0">
-            <a:spAutoFit/>
-          </a:bodyPr>
-          <a:lstStyle/>
-          <a:p>
-            <a:r>
-              <a:rPr lang="en-US" dirty="0" smtClean="0"/>
-              <a:t>Jump on number of gross income accounts after June 2015</a:t>
-            </a:r>
-            <a:endParaRPr lang="en-US" dirty="0"/>
-          </a:p>
-        </p:txBody>
-      </p:sp>
-    </p:spTree>
-    <p:extLst>
-      <p:ext uri="{BB962C8B-B14F-4D97-AF65-F5344CB8AC3E}">
-        <p14:creationId xmlns:p14="http://schemas.microsoft.com/office/powerpoint/2010/main" val="605888846"/>
-      </p:ext>
-    </p:extLst>
-  </p:cSld>
-  <p:clrMapOvr>
-    <a:masterClrMapping/>
-  </p:clrMapOvr>
-  <p:timing>
-    <p:tnLst>
-      <p:par>
-        <p:cTn id="1" dur="indefinite" restart="never" nodeType="tmRoot"/>
-      </p:par>
-    </p:tnLst>
-  </p:timing>
-</p:sld>
-</file>
-
-<file path=ppt/slides/slide9.xml><?xml version="1.0" encoding="utf-8"?>
-<p:sld xmlns:a="http://schemas.openxmlformats.org/drawingml/2006/main" xmlns:r="http://schemas.openxmlformats.org/officeDocument/2006/relationships" xmlns:p="http://schemas.openxmlformats.org/presentationml/2006/main">
-  <p:cSld>
-    <p:spTree>
-      <p:nvGrpSpPr>
-        <p:cNvPr id="1" name=""/>
-        <p:cNvGrpSpPr/>
-        <p:nvPr/>
-      </p:nvGrpSpPr>
-      <p:grpSpPr>
-        <a:xfrm>
-          <a:off x="0" y="0"/>
-          <a:ext cx="0" cy="0"/>
-          <a:chOff x="0" y="0"/>
-          <a:chExt cx="0" cy="0"/>
-        </a:xfrm>
-      </p:grpSpPr>
-      <p:sp>
-        <p:nvSpPr>
-          <p:cNvPr id="2" name="Title 1"/>
-          <p:cNvSpPr>
-            <a:spLocks noGrp="1"/>
-          </p:cNvSpPr>
-          <p:nvPr>
-            <p:ph type="title"/>
-          </p:nvPr>
-        </p:nvSpPr>
-        <p:spPr/>
-        <p:txBody>
-          <a:bodyPr>
-            <a:normAutofit fontScale="90000"/>
-          </a:bodyPr>
-          <a:lstStyle/>
-          <a:p>
-            <a:r>
-              <a:rPr lang="en-US" dirty="0"/>
-              <a:t>Total counts for </a:t>
-            </a:r>
-            <a:r>
-              <a:rPr lang="en-US" dirty="0" smtClean="0"/>
-              <a:t>short-term </a:t>
-            </a:r>
-            <a:r>
-              <a:rPr lang="en-US" dirty="0"/>
-              <a:t>and </a:t>
-            </a:r>
-            <a:r>
-              <a:rPr lang="en-US" dirty="0" smtClean="0"/>
-              <a:t>medium-term deposits </a:t>
-            </a:r>
-            <a:r>
-              <a:rPr lang="en-US" dirty="0"/>
-              <a:t>accounts</a:t>
-            </a:r>
-          </a:p>
-        </p:txBody>
-      </p:sp>
-      <p:grpSp>
-        <p:nvGrpSpPr>
-          <p:cNvPr id="3" name="Group 2"/>
-          <p:cNvGrpSpPr/>
-          <p:nvPr/>
-        </p:nvGrpSpPr>
-        <p:grpSpPr>
-          <a:xfrm>
-            <a:off x="76200" y="1523999"/>
-            <a:ext cx="9067800" cy="5334001"/>
-            <a:chOff x="76200" y="1523999"/>
-            <a:chExt cx="9067800" cy="5334001"/>
-          </a:xfrm>
-        </p:grpSpPr>
-        <p:pic>
-          <p:nvPicPr>
-            <p:cNvPr id="10242" name="Picture 2" descr="C:\Users\weichun\Documents\san\Total_counts_short-term_deposits.png"/>
-            <p:cNvPicPr>
-              <a:picLocks noChangeAspect="1" noChangeArrowheads="1"/>
-            </p:cNvPicPr>
-            <p:nvPr/>
-          </p:nvPicPr>
-          <p:blipFill>
-            <a:blip r:embed="rId2">
-              <a:extLst>
-                <a:ext uri="{28A0092B-C50C-407E-A947-70E740481C1C}">
-                  <a14:useLocalDpi xmlns:a14="http://schemas.microsoft.com/office/drawing/2010/main" val="0"/>
-                </a:ext>
-              </a:extLst>
-            </a:blip>
-            <a:srcRect/>
-            <a:stretch>
-              <a:fillRect/>
-            </a:stretch>
-          </p:blipFill>
-          <p:spPr bwMode="auto">
-            <a:xfrm>
-              <a:off x="76200" y="1524001"/>
-              <a:ext cx="4572000" cy="5333999"/>
-            </a:xfrm>
-            <a:prstGeom prst="rect">
-              <a:avLst/>
-            </a:prstGeom>
-            <a:noFill/>
-            <a:extLst>
-              <a:ext uri="{909E8E84-426E-40DD-AFC4-6F175D3DCCD1}">
-                <a14:hiddenFill xmlns:a14="http://schemas.microsoft.com/office/drawing/2010/main">
-                  <a:solidFill>
-                    <a:srgbClr val="FFFFFF"/>
-                  </a:solidFill>
-                </a14:hiddenFill>
-              </a:ext>
-            </a:extLst>
-          </p:spPr>
-        </p:pic>
-        <p:pic>
-          <p:nvPicPr>
-            <p:cNvPr id="4" name="Picture 2" descr="C:\Users\weichun\Documents\san\Total_counts_medium-term_deposits.png"/>
-            <p:cNvPicPr>
-              <a:picLocks noChangeAspect="1" noChangeArrowheads="1"/>
-            </p:cNvPicPr>
-            <p:nvPr/>
-          </p:nvPicPr>
-          <p:blipFill>
-            <a:blip r:embed="rId3">
-              <a:extLst>
-                <a:ext uri="{28A0092B-C50C-407E-A947-70E740481C1C}">
-                  <a14:useLocalDpi xmlns:a14="http://schemas.microsoft.com/office/drawing/2010/main" val="0"/>
-                </a:ext>
-              </a:extLst>
-            </a:blip>
-            <a:srcRect/>
-            <a:stretch>
-              <a:fillRect/>
-            </a:stretch>
-          </p:blipFill>
-          <p:spPr bwMode="auto">
-            <a:xfrm>
-              <a:off x="4572000" y="1523999"/>
-              <a:ext cx="4572000" cy="5334001"/>
-            </a:xfrm>
-            <a:prstGeom prst="rect">
-              <a:avLst/>
-            </a:prstGeom>
-            <a:noFill/>
-            <a:extLst>
-              <a:ext uri="{909E8E84-426E-40DD-AFC4-6F175D3DCCD1}">
-                <a14:hiddenFill xmlns:a14="http://schemas.microsoft.com/office/drawing/2010/main">
-                  <a:solidFill>
-                    <a:srgbClr val="FFFFFF"/>
-                  </a:solidFill>
-                </a14:hiddenFill>
-              </a:ext>
-            </a:extLst>
-          </p:spPr>
-        </p:pic>
-      </p:grpSp>
-      <p:cxnSp>
-        <p:nvCxnSpPr>
-          <p:cNvPr id="6" name="Straight Arrow Connector 5"/>
-          <p:cNvCxnSpPr/>
-          <p:nvPr/>
-        </p:nvCxnSpPr>
-        <p:spPr>
-          <a:xfrm>
-            <a:off x="5638800" y="2286000"/>
-            <a:ext cx="2971800" cy="1066800"/>
-          </a:xfrm>
-          <a:prstGeom prst="straightConnector1">
-            <a:avLst/>
-          </a:prstGeom>
-          <a:ln w="57150">
-            <a:tailEnd type="arrow"/>
-          </a:ln>
-        </p:spPr>
-        <p:style>
-          <a:lnRef idx="1">
-            <a:schemeClr val="accent1"/>
-          </a:lnRef>
-          <a:fillRef idx="0">
-            <a:schemeClr val="accent1"/>
-          </a:fillRef>
-          <a:effectRef idx="0">
-            <a:schemeClr val="accent1"/>
-          </a:effectRef>
-          <a:fontRef idx="minor">
-            <a:schemeClr val="tx1"/>
-          </a:fontRef>
-        </p:style>
-      </p:cxnSp>
-      <p:cxnSp>
-        <p:nvCxnSpPr>
-          <p:cNvPr id="9" name="Straight Arrow Connector 8"/>
-          <p:cNvCxnSpPr/>
-          <p:nvPr/>
-        </p:nvCxnSpPr>
-        <p:spPr>
-          <a:xfrm>
-            <a:off x="1578864" y="2819400"/>
-            <a:ext cx="2383536" cy="2590800"/>
-          </a:xfrm>
-          <a:prstGeom prst="straightConnector1">
-            <a:avLst/>
-          </a:prstGeom>
-          <a:ln w="57150">
-            <a:tailEnd type="arrow"/>
-          </a:ln>
-        </p:spPr>
-        <p:style>
-          <a:lnRef idx="1">
-            <a:schemeClr val="accent1"/>
-          </a:lnRef>
-          <a:fillRef idx="0">
-            <a:schemeClr val="accent1"/>
-          </a:fillRef>
-          <a:effectRef idx="0">
-            <a:schemeClr val="accent1"/>
-          </a:effectRef>
-          <a:fontRef idx="minor">
-            <a:schemeClr val="tx1"/>
-          </a:fontRef>
-        </p:style>
-      </p:cxnSp>
-    </p:spTree>
-    <p:extLst>
-      <p:ext uri="{BB962C8B-B14F-4D97-AF65-F5344CB8AC3E}">
-        <p14:creationId xmlns:p14="http://schemas.microsoft.com/office/powerpoint/2010/main" val="2149472832"/>
       </p:ext>
     </p:extLst>
   </p:cSld>
